--- a/Presentación IBM DATAPOWER.pptx
+++ b/Presentación IBM DATAPOWER.pptx
@@ -5,17 +5,19 @@
     <p:sldMasterId id="2147483651" r:id="rId6"/>
   </p:sldMasterIdLst>
   <p:handoutMasterIdLst>
-    <p:handoutMasterId r:id="rId15"/>
+    <p:handoutMasterId r:id="rId17"/>
   </p:handoutMasterIdLst>
   <p:sldIdLst>
     <p:sldId id="258" r:id="rId7"/>
     <p:sldId id="259" r:id="rId8"/>
     <p:sldId id="261" r:id="rId9"/>
-    <p:sldId id="262" r:id="rId10"/>
-    <p:sldId id="260" r:id="rId11"/>
-    <p:sldId id="265" r:id="rId12"/>
-    <p:sldId id="263" r:id="rId13"/>
-    <p:sldId id="264" r:id="rId14"/>
+    <p:sldId id="266" r:id="rId10"/>
+    <p:sldId id="267" r:id="rId11"/>
+    <p:sldId id="263" r:id="rId12"/>
+    <p:sldId id="260" r:id="rId13"/>
+    <p:sldId id="265" r:id="rId14"/>
+    <p:sldId id="268" r:id="rId15"/>
+    <p:sldId id="264" r:id="rId16"/>
   </p:sldIdLst>
   <p:sldSz cx="9144000" cy="6858000" type="screen4x3"/>
   <p:notesSz cx="6858000" cy="9144000"/>
@@ -4287,6 +4289,334 @@
 </p:sld>
 </file>
 
+<file path=ppt/slides/slide10.xml><?xml version="1.0" encoding="utf-8"?>
+<p:sld xmlns:a="http://schemas.openxmlformats.org/drawingml/2006/main" xmlns:r="http://schemas.openxmlformats.org/officeDocument/2006/relationships" xmlns:p="http://schemas.openxmlformats.org/presentationml/2006/main">
+  <p:cSld>
+    <p:spTree>
+      <p:nvGrpSpPr>
+        <p:cNvPr id="1" name=""/>
+        <p:cNvGrpSpPr/>
+        <p:nvPr/>
+      </p:nvGrpSpPr>
+      <p:grpSpPr>
+        <a:xfrm>
+          <a:off x="0" y="0"/>
+          <a:ext cx="0" cy="0"/>
+          <a:chOff x="0" y="0"/>
+          <a:chExt cx="0" cy="0"/>
+        </a:xfrm>
+      </p:grpSpPr>
+      <p:sp>
+        <p:nvSpPr>
+          <p:cNvPr id="2" name="1 Título"/>
+          <p:cNvSpPr>
+            <a:spLocks noGrp="1"/>
+          </p:cNvSpPr>
+          <p:nvPr>
+            <p:ph type="title"/>
+          </p:nvPr>
+        </p:nvSpPr>
+        <p:spPr>
+          <a:xfrm>
+            <a:off x="271463" y="1130300"/>
+            <a:ext cx="8229600" cy="369888"/>
+          </a:xfrm>
+        </p:spPr>
+        <p:txBody>
+          <a:bodyPr/>
+          <a:lstStyle/>
+          <a:p>
+            <a:pPr>
+              <a:defRPr/>
+            </a:pPr>
+            <a:r>
+              <a:rPr lang="es-PA" dirty="0" smtClean="0">
+                <a:effectLst>
+                  <a:outerShdw blurRad="38100" dist="38100" dir="2700000" algn="tl">
+                    <a:srgbClr val="000000">
+                      <a:alpha val="43137"/>
+                    </a:srgbClr>
+                  </a:outerShdw>
+                </a:effectLst>
+              </a:rPr>
+              <a:t>Becas de Excelencia Sus Buenos Vecinos</a:t>
+            </a:r>
+            <a:endParaRPr lang="es-PA" dirty="0">
+              <a:effectLst>
+                <a:outerShdw blurRad="38100" dist="38100" dir="2700000" algn="tl">
+                  <a:srgbClr val="000000">
+                    <a:alpha val="43137"/>
+                  </a:srgbClr>
+                </a:outerShdw>
+              </a:effectLst>
+            </a:endParaRPr>
+          </a:p>
+        </p:txBody>
+      </p:sp>
+      <p:sp>
+        <p:nvSpPr>
+          <p:cNvPr id="10243" name="2 Marcador de contenido"/>
+          <p:cNvSpPr>
+            <a:spLocks noGrp="1"/>
+          </p:cNvSpPr>
+          <p:nvPr>
+            <p:ph idx="1"/>
+          </p:nvPr>
+        </p:nvSpPr>
+        <p:spPr>
+          <a:xfrm>
+            <a:off x="142875" y="1643063"/>
+            <a:ext cx="8715375" cy="3643312"/>
+          </a:xfrm>
+        </p:spPr>
+        <p:txBody>
+          <a:bodyPr/>
+          <a:lstStyle/>
+          <a:p>
+            <a:pPr algn="just"/>
+            <a:r>
+              <a:rPr lang="es-PA" sz="1600" smtClean="0">
+                <a:latin typeface="Tahoma" pitchFamily="34" charset="0"/>
+                <a:cs typeface="Tahoma" pitchFamily="34" charset="0"/>
+              </a:rPr>
+              <a:t>Primer programa patrocinado unilateralmente por la Fundación y tiene como meta brindarle la oportunidad a jóvenes panameños de sobresalir académicamente. </a:t>
+            </a:r>
+          </a:p>
+          <a:p>
+            <a:pPr algn="just"/>
+            <a:endParaRPr lang="es-PA" sz="1600" smtClean="0">
+              <a:latin typeface="Tahoma" pitchFamily="34" charset="0"/>
+              <a:cs typeface="Tahoma" pitchFamily="34" charset="0"/>
+            </a:endParaRPr>
+          </a:p>
+          <a:p>
+            <a:pPr algn="just"/>
+            <a:r>
+              <a:rPr lang="es-PA" sz="1600" smtClean="0">
+                <a:latin typeface="Tahoma" pitchFamily="34" charset="0"/>
+                <a:cs typeface="Tahoma" pitchFamily="34" charset="0"/>
+              </a:rPr>
+              <a:t>Las becas son otorgadas a jóvenes, de escuelas públicas, que estén por ingresar a secundaria y demuestren estar entre los primeros tres lugares de sus promociones. Adicional a las excelentes calificaciones, los jóvenes deben estar dispuestos a esforzarse por mejorar su educación y manifestar una buena conducta y disciplina. </a:t>
+            </a:r>
+          </a:p>
+          <a:p>
+            <a:pPr algn="just"/>
+            <a:endParaRPr lang="es-PA" sz="1600" smtClean="0">
+              <a:latin typeface="Tahoma" pitchFamily="34" charset="0"/>
+              <a:cs typeface="Tahoma" pitchFamily="34" charset="0"/>
+            </a:endParaRPr>
+          </a:p>
+          <a:p>
+            <a:pPr algn="just"/>
+            <a:r>
+              <a:rPr lang="es-PA" sz="1600" smtClean="0">
+                <a:latin typeface="Tahoma" pitchFamily="34" charset="0"/>
+                <a:cs typeface="Tahoma" pitchFamily="34" charset="0"/>
+              </a:rPr>
+              <a:t>La Fundación se hace cargo de matrículas, mensualidades escolares, cursos de nivelación, textos y materiales escolares, uniformes y cuotas obligatorias para actividades del colegio. Aunado a esto, los jóvenes reciben cursos y charlas complementarias para su formación al igual de un seguimiento del desempeño de los mismos a lo largo de sus estudios secundarios. </a:t>
+            </a:r>
+          </a:p>
+          <a:p>
+            <a:endParaRPr lang="es-PA" smtClean="0"/>
+          </a:p>
+        </p:txBody>
+      </p:sp>
+      <p:pic>
+        <p:nvPicPr>
+          <p:cNvPr id="10244" name="Picture 4" descr="http://miredestrella/misaplicaciones/plantillascorporativas/Banco%20de%20Imgenes/Logotipos/fundacion.jpg"/>
+          <p:cNvPicPr>
+            <a:picLocks noChangeAspect="1" noChangeArrowheads="1"/>
+          </p:cNvPicPr>
+          <p:nvPr/>
+        </p:nvPicPr>
+        <p:blipFill>
+          <a:blip r:embed="rId2"/>
+          <a:srcRect/>
+          <a:stretch>
+            <a:fillRect/>
+          </a:stretch>
+        </p:blipFill>
+        <p:spPr bwMode="auto">
+          <a:xfrm>
+            <a:off x="4286250" y="203200"/>
+            <a:ext cx="2500313" cy="654050"/>
+          </a:xfrm>
+          <a:prstGeom prst="rect">
+            <a:avLst/>
+          </a:prstGeom>
+          <a:noFill/>
+          <a:ln w="9525">
+            <a:noFill/>
+            <a:miter lim="800000"/>
+            <a:headEnd/>
+            <a:tailEnd/>
+          </a:ln>
+        </p:spPr>
+      </p:pic>
+      <p:sp>
+        <p:nvSpPr>
+          <p:cNvPr id="10245" name="4 CuadroTexto"/>
+          <p:cNvSpPr txBox="1">
+            <a:spLocks noChangeArrowheads="1"/>
+          </p:cNvSpPr>
+          <p:nvPr/>
+        </p:nvSpPr>
+        <p:spPr bwMode="auto">
+          <a:xfrm>
+            <a:off x="428625" y="5334000"/>
+            <a:ext cx="8286750" cy="738188"/>
+          </a:xfrm>
+          <a:prstGeom prst="rect">
+            <a:avLst/>
+          </a:prstGeom>
+          <a:noFill/>
+          <a:ln w="9525">
+            <a:noFill/>
+            <a:miter lim="800000"/>
+            <a:headEnd/>
+            <a:tailEnd/>
+          </a:ln>
+        </p:spPr>
+        <p:txBody>
+          <a:bodyPr>
+            <a:spAutoFit/>
+          </a:bodyPr>
+          <a:lstStyle/>
+          <a:p>
+            <a:r>
+              <a:rPr lang="es-PA" sz="1400" i="1">
+                <a:solidFill>
+                  <a:srgbClr val="002060"/>
+                </a:solidFill>
+                <a:latin typeface="Tahoma" pitchFamily="34" charset="0"/>
+                <a:cs typeface="Tahoma" pitchFamily="34" charset="0"/>
+              </a:rPr>
+              <a:t>“ Estoy muy contenta de esta oportunidad y orgullosa de mi misma”</a:t>
+            </a:r>
+            <a:r>
+              <a:rPr lang="es-PA" sz="1400">
+                <a:solidFill>
+                  <a:srgbClr val="002060"/>
+                </a:solidFill>
+                <a:latin typeface="Tahoma" pitchFamily="34" charset="0"/>
+                <a:cs typeface="Tahoma" pitchFamily="34" charset="0"/>
+              </a:rPr>
+              <a:t> - </a:t>
+            </a:r>
+            <a:r>
+              <a:rPr lang="es-PA" sz="1400" b="1">
+                <a:solidFill>
+                  <a:srgbClr val="002060"/>
+                </a:solidFill>
+                <a:latin typeface="Tahoma" pitchFamily="34" charset="0"/>
+                <a:cs typeface="Tahoma" pitchFamily="34" charset="0"/>
+              </a:rPr>
+              <a:t>Yelizbeth Graciela Vega Lee</a:t>
+            </a:r>
+          </a:p>
+          <a:p>
+            <a:r>
+              <a:rPr lang="es-PA" sz="1400" b="1">
+                <a:solidFill>
+                  <a:srgbClr val="002060"/>
+                </a:solidFill>
+                <a:latin typeface="Tahoma" pitchFamily="34" charset="0"/>
+                <a:cs typeface="Tahoma" pitchFamily="34" charset="0"/>
+              </a:rPr>
+              <a:t> </a:t>
+            </a:r>
+          </a:p>
+          <a:p>
+            <a:endParaRPr lang="es-PA" sz="1400"/>
+          </a:p>
+        </p:txBody>
+      </p:sp>
+      <p:sp>
+        <p:nvSpPr>
+          <p:cNvPr id="10246" name="11 CuadroTexto"/>
+          <p:cNvSpPr txBox="1">
+            <a:spLocks noChangeArrowheads="1"/>
+          </p:cNvSpPr>
+          <p:nvPr/>
+        </p:nvSpPr>
+        <p:spPr bwMode="auto">
+          <a:xfrm>
+            <a:off x="428625" y="5715000"/>
+            <a:ext cx="7929563" cy="892175"/>
+          </a:xfrm>
+          <a:prstGeom prst="rect">
+            <a:avLst/>
+          </a:prstGeom>
+          <a:noFill/>
+          <a:ln w="9525">
+            <a:noFill/>
+            <a:miter lim="800000"/>
+            <a:headEnd/>
+            <a:tailEnd/>
+          </a:ln>
+        </p:spPr>
+        <p:txBody>
+          <a:bodyPr>
+            <a:spAutoFit/>
+          </a:bodyPr>
+          <a:lstStyle/>
+          <a:p>
+            <a:r>
+              <a:rPr lang="es-PA" sz="1400" i="1">
+                <a:solidFill>
+                  <a:srgbClr val="002060"/>
+                </a:solidFill>
+                <a:latin typeface="Tahoma" pitchFamily="34" charset="0"/>
+                <a:cs typeface="Tahoma" pitchFamily="34" charset="0"/>
+              </a:rPr>
+              <a:t>“ Me siento nervioso pero es algo que voy a afrontar porque es una bendición que Dios nos dio   </a:t>
+            </a:r>
+          </a:p>
+          <a:p>
+            <a:r>
+              <a:rPr lang="es-PA" sz="1400" i="1">
+                <a:solidFill>
+                  <a:srgbClr val="002060"/>
+                </a:solidFill>
+                <a:latin typeface="Tahoma" pitchFamily="34" charset="0"/>
+                <a:cs typeface="Tahoma" pitchFamily="34" charset="0"/>
+              </a:rPr>
+              <a:t>  para ser alguien”</a:t>
+            </a:r>
+            <a:r>
+              <a:rPr lang="es-PA" sz="1400">
+                <a:solidFill>
+                  <a:srgbClr val="002060"/>
+                </a:solidFill>
+                <a:latin typeface="Tahoma" pitchFamily="34" charset="0"/>
+                <a:cs typeface="Tahoma" pitchFamily="34" charset="0"/>
+              </a:rPr>
+              <a:t>  – </a:t>
+            </a:r>
+            <a:r>
+              <a:rPr lang="es-PA" sz="1400" b="1">
+                <a:solidFill>
+                  <a:srgbClr val="002060"/>
+                </a:solidFill>
+                <a:latin typeface="Tahoma" pitchFamily="34" charset="0"/>
+                <a:cs typeface="Tahoma" pitchFamily="34" charset="0"/>
+              </a:rPr>
+              <a:t>César Ortíz</a:t>
+            </a:r>
+          </a:p>
+          <a:p>
+            <a:endParaRPr lang="es-PA"/>
+          </a:p>
+        </p:txBody>
+      </p:sp>
+    </p:spTree>
+  </p:cSld>
+  <p:clrMapOvr>
+    <a:masterClrMapping/>
+  </p:clrMapOvr>
+</p:sld>
+</file>
+
 <file path=ppt/slides/slide2.xml><?xml version="1.0" encoding="utf-8"?>
 <p:sld xmlns:a="http://schemas.openxmlformats.org/drawingml/2006/main" xmlns:r="http://schemas.openxmlformats.org/officeDocument/2006/relationships" xmlns:p="http://schemas.openxmlformats.org/presentationml/2006/main">
   <p:cSld>
@@ -4337,19 +4667,7 @@
                   </a:outerShdw>
                 </a:effectLst>
               </a:rPr>
-              <a:t>¿</a:t>
-            </a:r>
-            <a:r>
-              <a:rPr lang="es-PA" dirty="0" smtClean="0">
-                <a:effectLst>
-                  <a:outerShdw blurRad="38100" dist="38100" dir="2700000" algn="tl">
-                    <a:srgbClr val="000000">
-                      <a:alpha val="43137"/>
-                    </a:srgbClr>
-                  </a:outerShdw>
-                </a:effectLst>
-              </a:rPr>
-              <a:t>Qué Es el </a:t>
+              <a:t>¿Qué Es el </a:t>
             </a:r>
             <a:r>
               <a:rPr lang="es-PA" dirty="0" err="1" smtClean="0">
@@ -4422,7 +4740,7 @@
                 <a:latin typeface="Tahoma" pitchFamily="34" charset="0"/>
                 <a:cs typeface="Tahoma" pitchFamily="34" charset="0"/>
               </a:rPr>
-              <a:t>Equipo Físico que proporciona Seguridad y agilidad para  el negocio.</a:t>
+              <a:t>Combinación de Hardware y software cuyo propósito es satisfacer  necesidades  de seguridad , control e integración.</a:t>
             </a:r>
             <a:endParaRPr lang="es-PA" sz="1400" dirty="0" smtClean="0">
               <a:latin typeface="Tahoma" pitchFamily="34" charset="0"/>
@@ -4444,7 +4762,7 @@
       </p:sp>
       <p:pic>
         <p:nvPicPr>
-          <p:cNvPr id="5124" name="Picture 4" descr="http://miredestrella/misaplicaciones/plantillascorporativas/Banco%20de%20Imgenes/Logotipos/fundacion.jpg"/>
+          <p:cNvPr id="5126" name="Picture 6" descr="Resultado de imagen para IBM datapower"/>
           <p:cNvPicPr>
             <a:picLocks noChangeAspect="1" noChangeArrowheads="1"/>
           </p:cNvPicPr>
@@ -4452,38 +4770,6 @@
         </p:nvPicPr>
         <p:blipFill>
           <a:blip r:embed="rId2"/>
-          <a:srcRect/>
-          <a:stretch>
-            <a:fillRect/>
-          </a:stretch>
-        </p:blipFill>
-        <p:spPr bwMode="auto">
-          <a:xfrm>
-            <a:off x="4286250" y="203200"/>
-            <a:ext cx="2500313" cy="654050"/>
-          </a:xfrm>
-          <a:prstGeom prst="rect">
-            <a:avLst/>
-          </a:prstGeom>
-          <a:noFill/>
-          <a:ln w="9525">
-            <a:noFill/>
-            <a:miter lim="800000"/>
-            <a:headEnd/>
-            <a:tailEnd/>
-          </a:ln>
-        </p:spPr>
-      </p:pic>
-      <p:pic>
-        <p:nvPicPr>
-          <p:cNvPr id="5126" name="Picture 6" descr="Resultado de imagen para IBM datapower"/>
-          <p:cNvPicPr>
-            <a:picLocks noChangeAspect="1" noChangeArrowheads="1"/>
-          </p:cNvPicPr>
-          <p:nvPr/>
-        </p:nvPicPr>
-        <p:blipFill>
-          <a:blip r:embed="rId3"/>
           <a:srcRect/>
           <a:stretch>
             <a:fillRect/>
@@ -4537,7 +4823,7 @@
         </p:nvSpPr>
         <p:spPr>
           <a:xfrm>
-            <a:off x="271463" y="1130300"/>
+            <a:off x="357158" y="1142984"/>
             <a:ext cx="8229600" cy="369888"/>
           </a:xfrm>
         </p:spPr>
@@ -4549,7 +4835,7 @@
               <a:defRPr/>
             </a:pPr>
             <a:r>
-              <a:rPr lang="es-PA" dirty="0" smtClean="0">
+              <a:rPr lang="es-MX" dirty="0" smtClean="0">
                 <a:effectLst>
                   <a:outerShdw blurRad="38100" dist="38100" dir="2700000" algn="tl">
                     <a:srgbClr val="000000">
@@ -4558,7 +4844,7 @@
                   </a:outerShdw>
                 </a:effectLst>
               </a:rPr>
-              <a:t>Labor de la FSBV</a:t>
+              <a:t>Datos Técnicos</a:t>
             </a:r>
             <a:endParaRPr lang="es-PA" dirty="0">
               <a:effectLst>
@@ -4572,212 +4858,656 @@
           </a:p>
         </p:txBody>
       </p:sp>
-      <p:sp>
-        <p:nvSpPr>
-          <p:cNvPr id="6147" name="2 Marcador de contenido"/>
-          <p:cNvSpPr>
-            <a:spLocks noGrp="1"/>
-          </p:cNvSpPr>
-          <p:nvPr>
-            <p:ph idx="1"/>
-          </p:nvPr>
-        </p:nvSpPr>
-        <p:spPr>
-          <a:xfrm>
-            <a:off x="142875" y="1500188"/>
-            <a:ext cx="8458200" cy="2786062"/>
-          </a:xfrm>
-        </p:spPr>
-        <p:txBody>
-          <a:bodyPr/>
-          <a:lstStyle/>
-          <a:p>
-            <a:pPr algn="just"/>
-            <a:r>
-              <a:rPr lang="es-PA" sz="1500" dirty="0" smtClean="0">
-                <a:latin typeface="Tahoma" pitchFamily="34" charset="0"/>
-                <a:cs typeface="Tahoma" pitchFamily="34" charset="0"/>
-              </a:rPr>
-              <a:t> La Fundación Sus Buenos Vecinos trabaja con más de 200 organizaciones en todo el país, a las que apoya de acuerdo a sus necesidades. La estrategia implementada, de focalizar los esfuerzos en áreas específicas y canalizar los aportes a través de alianzas con organizaciones sin fines de lucro, que son quienes ejecutan los proyectos, ha sido un modelo exitoso.</a:t>
-            </a:r>
-          </a:p>
-          <a:p>
-            <a:pPr algn="just">
-              <a:buFont typeface="Arial" pitchFamily="34" charset="0"/>
-              <a:buNone/>
-            </a:pPr>
-            <a:endParaRPr lang="es-PA" sz="1000" dirty="0" smtClean="0">
-              <a:latin typeface="Tahoma" pitchFamily="34" charset="0"/>
-              <a:cs typeface="Tahoma" pitchFamily="34" charset="0"/>
-            </a:endParaRPr>
-          </a:p>
-          <a:p>
-            <a:pPr algn="just"/>
-            <a:r>
-              <a:rPr lang="es-PA" sz="1500" dirty="0" smtClean="0">
-                <a:latin typeface="Tahoma" pitchFamily="34" charset="0"/>
-                <a:cs typeface="Tahoma" pitchFamily="34" charset="0"/>
-              </a:rPr>
-              <a:t>El compromiso a largo plazo con las organizaciones les ha permitido llevar a cabo su labor con constancia, lo cual se transforma en resultados palpables. </a:t>
-            </a:r>
-          </a:p>
-          <a:p>
-            <a:pPr algn="just">
-              <a:buFont typeface="Arial" pitchFamily="34" charset="0"/>
-              <a:buNone/>
-            </a:pPr>
-            <a:endParaRPr lang="es-PA" sz="1000" dirty="0" smtClean="0">
-              <a:latin typeface="Tahoma" pitchFamily="34" charset="0"/>
-              <a:cs typeface="Tahoma" pitchFamily="34" charset="0"/>
-            </a:endParaRPr>
-          </a:p>
-          <a:p>
-            <a:pPr algn="just"/>
-            <a:r>
-              <a:rPr lang="es-PA" sz="1500" dirty="0" smtClean="0">
-                <a:latin typeface="Tahoma" pitchFamily="34" charset="0"/>
-                <a:cs typeface="Tahoma" pitchFamily="34" charset="0"/>
-              </a:rPr>
-              <a:t>La Fundación Sus Buenos Vecinos, durante sus años de existencia, ha estructurado su organización, ha expandido su radio de acción y ha proyectado la labor que miles de voluntarios realizan diariamente en beneficio del prójimo.</a:t>
-            </a:r>
-          </a:p>
-          <a:p>
-            <a:pPr>
-              <a:buFont typeface="Arial" pitchFamily="34" charset="0"/>
-              <a:buNone/>
-            </a:pPr>
-            <a:endParaRPr lang="es-PA" dirty="0" smtClean="0"/>
-          </a:p>
-        </p:txBody>
-      </p:sp>
-      <p:pic>
-        <p:nvPicPr>
-          <p:cNvPr id="6148" name="Picture 4" descr="http://miredestrella/misaplicaciones/plantillascorporativas/Banco%20de%20Imgenes/Logotipos/fundacion.jpg"/>
-          <p:cNvPicPr>
-            <a:picLocks noChangeAspect="1" noChangeArrowheads="1"/>
-          </p:cNvPicPr>
+      <p:graphicFrame>
+        <p:nvGraphicFramePr>
+          <p:cNvPr id="9" name="8 Tabla"/>
+          <p:cNvGraphicFramePr>
+            <a:graphicFrameLocks noGrp="1"/>
+          </p:cNvGraphicFramePr>
           <p:nvPr/>
-        </p:nvPicPr>
-        <p:blipFill>
-          <a:blip r:embed="rId2"/>
-          <a:srcRect/>
-          <a:stretch>
-            <a:fillRect/>
-          </a:stretch>
-        </p:blipFill>
-        <p:spPr bwMode="auto">
-          <a:xfrm>
-            <a:off x="4286250" y="203200"/>
-            <a:ext cx="2500313" cy="654050"/>
-          </a:xfrm>
-          <a:prstGeom prst="rect">
-            <a:avLst/>
-          </a:prstGeom>
-          <a:noFill/>
-          <a:ln w="9525">
-            <a:noFill/>
-            <a:miter lim="800000"/>
-            <a:headEnd/>
-            <a:tailEnd/>
-          </a:ln>
-        </p:spPr>
-      </p:pic>
-      <p:pic>
-        <p:nvPicPr>
-          <p:cNvPr id="6149" name="Picture 2" descr="http://miredestrella/rse/susbuenosvecinos/PublishingImages/Fotos%20Fundación%20General/Fundación%20Ofrece%20un%20Hogar.JPG"/>
-          <p:cNvPicPr>
-            <a:picLocks noChangeAspect="1" noChangeArrowheads="1"/>
-          </p:cNvPicPr>
-          <p:nvPr/>
-        </p:nvPicPr>
-        <p:blipFill>
-          <a:blip r:embed="rId3"/>
-          <a:srcRect/>
-          <a:stretch>
-            <a:fillRect/>
-          </a:stretch>
-        </p:blipFill>
-        <p:spPr bwMode="auto">
-          <a:xfrm>
-            <a:off x="357188" y="4357688"/>
-            <a:ext cx="2643187" cy="1857375"/>
-          </a:xfrm>
-          <a:prstGeom prst="rect">
-            <a:avLst/>
-          </a:prstGeom>
-          <a:noFill/>
-          <a:ln w="9525">
-            <a:noFill/>
-            <a:miter lim="800000"/>
-            <a:headEnd/>
-            <a:tailEnd/>
-          </a:ln>
-        </p:spPr>
-      </p:pic>
-      <p:pic>
-        <p:nvPicPr>
-          <p:cNvPr id="6150" name="Picture 4" descr="http://miredestrella/rse/susbuenosvecinos/PublishingImages/Fotos%20Fundación%20General/Fundación%20sus%20Buenos%20Vecinos%20(8).JPG"/>
-          <p:cNvPicPr>
-            <a:picLocks noChangeAspect="1" noChangeArrowheads="1"/>
-          </p:cNvPicPr>
-          <p:nvPr/>
-        </p:nvPicPr>
-        <p:blipFill>
-          <a:blip r:embed="rId4"/>
-          <a:srcRect/>
-          <a:stretch>
-            <a:fillRect/>
-          </a:stretch>
-        </p:blipFill>
-        <p:spPr bwMode="auto">
-          <a:xfrm>
-            <a:off x="3071813" y="4357688"/>
-            <a:ext cx="2714625" cy="1857375"/>
-          </a:xfrm>
-          <a:prstGeom prst="rect">
-            <a:avLst/>
-          </a:prstGeom>
-          <a:noFill/>
-          <a:ln w="9525">
-            <a:noFill/>
-            <a:miter lim="800000"/>
-            <a:headEnd/>
-            <a:tailEnd/>
-          </a:ln>
-        </p:spPr>
-      </p:pic>
-      <p:pic>
-        <p:nvPicPr>
-          <p:cNvPr id="6151" name="9 Imagen" descr="P1010689.JPG"/>
-          <p:cNvPicPr>
-            <a:picLocks noChangeAspect="1"/>
-          </p:cNvPicPr>
-          <p:nvPr/>
-        </p:nvPicPr>
-        <p:blipFill>
-          <a:blip r:embed="rId5"/>
-          <a:srcRect/>
-          <a:stretch>
-            <a:fillRect/>
-          </a:stretch>
-        </p:blipFill>
-        <p:spPr bwMode="auto">
-          <a:xfrm>
-            <a:off x="5857875" y="4357688"/>
-            <a:ext cx="2428875" cy="1857375"/>
-          </a:xfrm>
-          <a:prstGeom prst="rect">
-            <a:avLst/>
-          </a:prstGeom>
-          <a:noFill/>
-          <a:ln w="9525">
-            <a:noFill/>
-            <a:miter lim="800000"/>
-            <a:headEnd/>
-            <a:tailEnd/>
-          </a:ln>
-        </p:spPr>
-      </p:pic>
+        </p:nvGraphicFramePr>
+        <p:xfrm>
+          <a:off x="1000100" y="1785926"/>
+          <a:ext cx="7286676" cy="3786216"/>
+        </p:xfrm>
+        <a:graphic>
+          <a:graphicData uri="http://schemas.openxmlformats.org/drawingml/2006/table">
+            <a:tbl>
+              <a:tblPr firstRow="1" bandRow="1">
+                <a:tableStyleId>{10A1B5D5-9B99-4C35-A422-299274C87663}</a:tableStyleId>
+              </a:tblPr>
+              <a:tblGrid>
+                <a:gridCol w="3671827"/>
+                <a:gridCol w="3614849"/>
+              </a:tblGrid>
+              <a:tr h="473277">
+                <a:tc>
+                  <a:txBody>
+                    <a:bodyPr/>
+                    <a:lstStyle/>
+                    <a:p>
+                      <a:r>
+                        <a:rPr lang="es-MX" b="1" dirty="0" smtClean="0">
+                          <a:solidFill>
+                            <a:srgbClr val="002060"/>
+                          </a:solidFill>
+                          <a:effectLst>
+                            <a:outerShdw blurRad="38100" dist="38100" dir="2700000" algn="tl">
+                              <a:srgbClr val="000000">
+                                <a:alpha val="43137"/>
+                              </a:srgbClr>
+                            </a:outerShdw>
+                          </a:effectLst>
+                          <a:latin typeface="Tahoma" pitchFamily="34" charset="0"/>
+                          <a:ea typeface="+mj-ea"/>
+                          <a:cs typeface="Tahoma" pitchFamily="34" charset="0"/>
+                        </a:rPr>
+                        <a:t>Transformación de Datos</a:t>
+                      </a:r>
+                      <a:endParaRPr lang="es-PA" b="1" dirty="0" smtClean="0">
+                        <a:solidFill>
+                          <a:srgbClr val="002060"/>
+                        </a:solidFill>
+                        <a:effectLst>
+                          <a:outerShdw blurRad="38100" dist="38100" dir="2700000" algn="tl">
+                            <a:srgbClr val="000000">
+                              <a:alpha val="43137"/>
+                            </a:srgbClr>
+                          </a:outerShdw>
+                        </a:effectLst>
+                        <a:latin typeface="Tahoma" pitchFamily="34" charset="0"/>
+                        <a:ea typeface="+mj-ea"/>
+                        <a:cs typeface="Tahoma" pitchFamily="34" charset="0"/>
+                      </a:endParaRPr>
+                    </a:p>
+                  </a:txBody>
+                  <a:tcPr>
+                    <a:solidFill>
+                      <a:schemeClr val="tx2">
+                        <a:lumMod val="40000"/>
+                        <a:lumOff val="60000"/>
+                      </a:schemeClr>
+                    </a:solidFill>
+                  </a:tcPr>
+                </a:tc>
+                <a:tc>
+                  <a:txBody>
+                    <a:bodyPr/>
+                    <a:lstStyle/>
+                    <a:p>
+                      <a:pPr marL="0" algn="l" defTabSz="914400" rtl="0" eaLnBrk="1" latinLnBrk="0" hangingPunct="1"/>
+                      <a:r>
+                        <a:rPr lang="es-MX" sz="1800" b="1" kern="1200" dirty="0" smtClean="0">
+                          <a:solidFill>
+                            <a:srgbClr val="002060"/>
+                          </a:solidFill>
+                          <a:effectLst>
+                            <a:outerShdw blurRad="38100" dist="38100" dir="2700000" algn="tl">
+                              <a:srgbClr val="000000">
+                                <a:alpha val="43137"/>
+                              </a:srgbClr>
+                            </a:outerShdw>
+                          </a:effectLst>
+                          <a:latin typeface="Tahoma" pitchFamily="34" charset="0"/>
+                          <a:ea typeface="+mj-ea"/>
+                          <a:cs typeface="Tahoma" pitchFamily="34" charset="0"/>
+                        </a:rPr>
+                        <a:t>Políticas de Seguridad</a:t>
+                      </a:r>
+                      <a:endParaRPr lang="es-PA" sz="1800" b="1" kern="1200" dirty="0" smtClean="0">
+                        <a:solidFill>
+                          <a:srgbClr val="002060"/>
+                        </a:solidFill>
+                        <a:effectLst>
+                          <a:outerShdw blurRad="38100" dist="38100" dir="2700000" algn="tl">
+                            <a:srgbClr val="000000">
+                              <a:alpha val="43137"/>
+                            </a:srgbClr>
+                          </a:outerShdw>
+                        </a:effectLst>
+                        <a:latin typeface="Tahoma" pitchFamily="34" charset="0"/>
+                        <a:ea typeface="+mj-ea"/>
+                        <a:cs typeface="Tahoma" pitchFamily="34" charset="0"/>
+                      </a:endParaRPr>
+                    </a:p>
+                  </a:txBody>
+                  <a:tcPr>
+                    <a:solidFill>
+                      <a:schemeClr val="tx2">
+                        <a:lumMod val="40000"/>
+                        <a:lumOff val="60000"/>
+                      </a:schemeClr>
+                    </a:solidFill>
+                  </a:tcPr>
+                </a:tc>
+              </a:tr>
+              <a:tr h="473277">
+                <a:tc>
+                  <a:txBody>
+                    <a:bodyPr/>
+                    <a:lstStyle/>
+                    <a:p>
+                      <a:r>
+                        <a:rPr lang="es-PA" sz="1500" kern="1200" dirty="0" smtClean="0">
+                          <a:solidFill>
+                            <a:schemeClr val="tx2"/>
+                          </a:solidFill>
+                          <a:latin typeface="Tahoma" pitchFamily="34" charset="0"/>
+                          <a:ea typeface="+mn-ea"/>
+                          <a:cs typeface="Tahoma" pitchFamily="34" charset="0"/>
+                        </a:rPr>
+                        <a:t>● </a:t>
+                      </a:r>
+                      <a:r>
+                        <a:rPr lang="es-PA" sz="1500" kern="1200" dirty="0" err="1" smtClean="0">
+                          <a:solidFill>
+                            <a:schemeClr val="tx2"/>
+                          </a:solidFill>
+                          <a:latin typeface="Tahoma" pitchFamily="34" charset="0"/>
+                          <a:ea typeface="+mn-ea"/>
+                          <a:cs typeface="Tahoma" pitchFamily="34" charset="0"/>
+                        </a:rPr>
+                        <a:t>JavaScript</a:t>
+                      </a:r>
+                      <a:r>
+                        <a:rPr lang="es-PA" sz="1500" kern="1200" dirty="0" smtClean="0">
+                          <a:solidFill>
+                            <a:schemeClr val="tx2"/>
+                          </a:solidFill>
+                          <a:latin typeface="Tahoma" pitchFamily="34" charset="0"/>
+                          <a:ea typeface="+mn-ea"/>
+                          <a:cs typeface="Tahoma" pitchFamily="34" charset="0"/>
+                        </a:rPr>
+                        <a:t> (</a:t>
+                      </a:r>
+                      <a:r>
+                        <a:rPr lang="es-PA" sz="1500" kern="1200" dirty="0" err="1" smtClean="0">
+                          <a:solidFill>
+                            <a:schemeClr val="tx2"/>
+                          </a:solidFill>
+                          <a:latin typeface="Tahoma" pitchFamily="34" charset="0"/>
+                          <a:ea typeface="+mn-ea"/>
+                          <a:cs typeface="Tahoma" pitchFamily="34" charset="0"/>
+                        </a:rPr>
+                        <a:t>ECMAScript</a:t>
+                      </a:r>
+                      <a:r>
+                        <a:rPr lang="es-PA" sz="1500" kern="1200" dirty="0" smtClean="0">
+                          <a:solidFill>
+                            <a:schemeClr val="tx2"/>
+                          </a:solidFill>
+                          <a:latin typeface="Tahoma" pitchFamily="34" charset="0"/>
+                          <a:ea typeface="+mn-ea"/>
+                          <a:cs typeface="Tahoma" pitchFamily="34" charset="0"/>
+                        </a:rPr>
+                        <a:t> 6.0)</a:t>
+                      </a:r>
+                    </a:p>
+                  </a:txBody>
+                  <a:tcPr/>
+                </a:tc>
+                <a:tc>
+                  <a:txBody>
+                    <a:bodyPr/>
+                    <a:lstStyle/>
+                    <a:p>
+                      <a:pPr marL="0" algn="l" defTabSz="914400" rtl="0" eaLnBrk="1" latinLnBrk="0" hangingPunct="1"/>
+                      <a:r>
+                        <a:rPr lang="es-PA" sz="1500" kern="1200" dirty="0" smtClean="0">
+                          <a:solidFill>
+                            <a:schemeClr val="tx2"/>
+                          </a:solidFill>
+                          <a:latin typeface="Tahoma" pitchFamily="34" charset="0"/>
+                          <a:ea typeface="+mn-ea"/>
+                          <a:cs typeface="Tahoma" pitchFamily="34" charset="0"/>
+                        </a:rPr>
+                        <a:t>● </a:t>
+                      </a:r>
+                      <a:r>
+                        <a:rPr lang="es-PA" sz="1500" kern="1200" dirty="0" err="1" smtClean="0">
+                          <a:solidFill>
+                            <a:schemeClr val="tx2"/>
+                          </a:solidFill>
+                          <a:latin typeface="Tahoma" pitchFamily="34" charset="0"/>
+                          <a:ea typeface="+mn-ea"/>
+                          <a:cs typeface="Tahoma" pitchFamily="34" charset="0"/>
+                        </a:rPr>
+                        <a:t>OAuth</a:t>
+                      </a:r>
+                      <a:r>
+                        <a:rPr lang="es-PA" sz="1500" kern="1200" dirty="0" smtClean="0">
+                          <a:solidFill>
+                            <a:schemeClr val="tx2"/>
+                          </a:solidFill>
+                          <a:latin typeface="Tahoma" pitchFamily="34" charset="0"/>
+                          <a:ea typeface="+mn-ea"/>
+                          <a:cs typeface="Tahoma" pitchFamily="34" charset="0"/>
+                        </a:rPr>
+                        <a:t> 2.0</a:t>
+                      </a:r>
+                    </a:p>
+                  </a:txBody>
+                  <a:tcPr/>
+                </a:tc>
+              </a:tr>
+              <a:tr h="473277">
+                <a:tc>
+                  <a:txBody>
+                    <a:bodyPr/>
+                    <a:lstStyle/>
+                    <a:p>
+                      <a:r>
+                        <a:rPr lang="es-PA" sz="1500" kern="1200" dirty="0" smtClean="0">
+                          <a:solidFill>
+                            <a:schemeClr val="tx2"/>
+                          </a:solidFill>
+                          <a:latin typeface="Tahoma" pitchFamily="34" charset="0"/>
+                          <a:ea typeface="+mn-ea"/>
+                          <a:cs typeface="Tahoma" pitchFamily="34" charset="0"/>
+                        </a:rPr>
+                        <a:t>● XML 1.0</a:t>
+                      </a:r>
+                    </a:p>
+                  </a:txBody>
+                  <a:tcPr/>
+                </a:tc>
+                <a:tc>
+                  <a:txBody>
+                    <a:bodyPr/>
+                    <a:lstStyle/>
+                    <a:p>
+                      <a:pPr marL="0" algn="l" defTabSz="914400" rtl="0" eaLnBrk="1" latinLnBrk="0" hangingPunct="1"/>
+                      <a:r>
+                        <a:rPr lang="es-PA" sz="1500" kern="1200" dirty="0" smtClean="0">
+                          <a:solidFill>
+                            <a:schemeClr val="tx2"/>
+                          </a:solidFill>
+                          <a:latin typeface="Tahoma" pitchFamily="34" charset="0"/>
+                          <a:ea typeface="+mn-ea"/>
+                          <a:cs typeface="Tahoma" pitchFamily="34" charset="0"/>
+                        </a:rPr>
+                        <a:t>● JSON Web </a:t>
+                      </a:r>
+                      <a:r>
+                        <a:rPr lang="es-PA" sz="1500" kern="1200" dirty="0" err="1" smtClean="0">
+                          <a:solidFill>
+                            <a:schemeClr val="tx2"/>
+                          </a:solidFill>
+                          <a:latin typeface="Tahoma" pitchFamily="34" charset="0"/>
+                          <a:ea typeface="+mn-ea"/>
+                          <a:cs typeface="Tahoma" pitchFamily="34" charset="0"/>
+                        </a:rPr>
+                        <a:t>Encryption</a:t>
+                      </a:r>
+                      <a:r>
+                        <a:rPr lang="es-PA" sz="1500" kern="1200" dirty="0" smtClean="0">
+                          <a:solidFill>
+                            <a:schemeClr val="tx2"/>
+                          </a:solidFill>
+                          <a:latin typeface="Tahoma" pitchFamily="34" charset="0"/>
+                          <a:ea typeface="+mn-ea"/>
+                          <a:cs typeface="Tahoma" pitchFamily="34" charset="0"/>
+                        </a:rPr>
+                        <a:t> (JWE)</a:t>
+                      </a:r>
+                    </a:p>
+                  </a:txBody>
+                  <a:tcPr/>
+                </a:tc>
+              </a:tr>
+              <a:tr h="473277">
+                <a:tc>
+                  <a:txBody>
+                    <a:bodyPr/>
+                    <a:lstStyle/>
+                    <a:p>
+                      <a:r>
+                        <a:rPr lang="es-PA" sz="1500" kern="1200" dirty="0" smtClean="0">
+                          <a:solidFill>
+                            <a:schemeClr val="tx2"/>
+                          </a:solidFill>
+                          <a:latin typeface="Tahoma" pitchFamily="34" charset="0"/>
+                          <a:ea typeface="+mn-ea"/>
+                          <a:cs typeface="Tahoma" pitchFamily="34" charset="0"/>
+                        </a:rPr>
+                        <a:t>● XML </a:t>
+                      </a:r>
+                      <a:r>
+                        <a:rPr lang="es-PA" sz="1500" kern="1200" dirty="0" err="1" smtClean="0">
+                          <a:solidFill>
+                            <a:schemeClr val="tx2"/>
+                          </a:solidFill>
+                          <a:latin typeface="Tahoma" pitchFamily="34" charset="0"/>
+                          <a:ea typeface="+mn-ea"/>
+                          <a:cs typeface="Tahoma" pitchFamily="34" charset="0"/>
+                        </a:rPr>
+                        <a:t>Schema</a:t>
+                      </a:r>
+                      <a:r>
+                        <a:rPr lang="es-PA" sz="1500" kern="1200" dirty="0" smtClean="0">
+                          <a:solidFill>
+                            <a:schemeClr val="tx2"/>
+                          </a:solidFill>
+                          <a:latin typeface="Tahoma" pitchFamily="34" charset="0"/>
+                          <a:ea typeface="+mn-ea"/>
+                          <a:cs typeface="Tahoma" pitchFamily="34" charset="0"/>
+                        </a:rPr>
+                        <a:t> 1.0</a:t>
+                      </a:r>
+                    </a:p>
+                  </a:txBody>
+                  <a:tcPr/>
+                </a:tc>
+                <a:tc>
+                  <a:txBody>
+                    <a:bodyPr/>
+                    <a:lstStyle/>
+                    <a:p>
+                      <a:pPr marL="0" algn="l" defTabSz="914400" rtl="0" eaLnBrk="1" latinLnBrk="0" hangingPunct="1"/>
+                      <a:r>
+                        <a:rPr lang="es-PA" sz="1500" kern="1200" dirty="0" smtClean="0">
+                          <a:solidFill>
+                            <a:schemeClr val="tx2"/>
+                          </a:solidFill>
+                          <a:latin typeface="Tahoma" pitchFamily="34" charset="0"/>
+                          <a:ea typeface="+mn-ea"/>
+                          <a:cs typeface="Tahoma" pitchFamily="34" charset="0"/>
+                        </a:rPr>
+                        <a:t>● JSON Web </a:t>
+                      </a:r>
+                      <a:r>
+                        <a:rPr lang="es-PA" sz="1500" kern="1200" dirty="0" err="1" smtClean="0">
+                          <a:solidFill>
+                            <a:schemeClr val="tx2"/>
+                          </a:solidFill>
+                          <a:latin typeface="Tahoma" pitchFamily="34" charset="0"/>
+                          <a:ea typeface="+mn-ea"/>
+                          <a:cs typeface="Tahoma" pitchFamily="34" charset="0"/>
+                        </a:rPr>
+                        <a:t>Signature</a:t>
+                      </a:r>
+                      <a:r>
+                        <a:rPr lang="es-PA" sz="1500" kern="1200" dirty="0" smtClean="0">
+                          <a:solidFill>
+                            <a:schemeClr val="tx2"/>
+                          </a:solidFill>
+                          <a:latin typeface="Tahoma" pitchFamily="34" charset="0"/>
+                          <a:ea typeface="+mn-ea"/>
+                          <a:cs typeface="Tahoma" pitchFamily="34" charset="0"/>
+                        </a:rPr>
+                        <a:t> (JWS)</a:t>
+                      </a:r>
+                    </a:p>
+                  </a:txBody>
+                  <a:tcPr/>
+                </a:tc>
+              </a:tr>
+              <a:tr h="473277">
+                <a:tc>
+                  <a:txBody>
+                    <a:bodyPr/>
+                    <a:lstStyle/>
+                    <a:p>
+                      <a:r>
+                        <a:rPr lang="en-US" sz="1500" kern="1200" dirty="0" smtClean="0">
+                          <a:solidFill>
+                            <a:schemeClr val="tx2"/>
+                          </a:solidFill>
+                          <a:latin typeface="Tahoma" pitchFamily="34" charset="0"/>
+                          <a:ea typeface="+mn-ea"/>
+                          <a:cs typeface="Tahoma" pitchFamily="34" charset="0"/>
+                        </a:rPr>
+                        <a:t>● </a:t>
+                      </a:r>
+                      <a:r>
+                        <a:rPr lang="en-US" sz="1500" kern="1200" dirty="0" err="1" smtClean="0">
+                          <a:solidFill>
+                            <a:schemeClr val="tx2"/>
+                          </a:solidFill>
+                          <a:latin typeface="Tahoma" pitchFamily="34" charset="0"/>
+                          <a:ea typeface="+mn-ea"/>
+                          <a:cs typeface="Tahoma" pitchFamily="34" charset="0"/>
+                        </a:rPr>
+                        <a:t>XPath</a:t>
+                      </a:r>
+                      <a:r>
+                        <a:rPr lang="en-US" sz="1500" kern="1200" dirty="0" smtClean="0">
+                          <a:solidFill>
+                            <a:schemeClr val="tx2"/>
+                          </a:solidFill>
+                          <a:latin typeface="Tahoma" pitchFamily="34" charset="0"/>
+                          <a:ea typeface="+mn-ea"/>
+                          <a:cs typeface="Tahoma" pitchFamily="34" charset="0"/>
+                        </a:rPr>
+                        <a:t> 1.0, 2.0 (</a:t>
+                      </a:r>
+                      <a:r>
+                        <a:rPr lang="en-US" sz="1500" kern="1200" dirty="0" err="1" smtClean="0">
+                          <a:solidFill>
+                            <a:schemeClr val="tx2"/>
+                          </a:solidFill>
+                          <a:latin typeface="Tahoma" pitchFamily="34" charset="0"/>
+                          <a:ea typeface="+mn-ea"/>
+                          <a:cs typeface="Tahoma" pitchFamily="34" charset="0"/>
+                        </a:rPr>
+                        <a:t>XQuery</a:t>
+                      </a:r>
+                      <a:r>
+                        <a:rPr lang="en-US" sz="1500" kern="1200" dirty="0" smtClean="0">
+                          <a:solidFill>
+                            <a:schemeClr val="tx2"/>
+                          </a:solidFill>
+                          <a:latin typeface="Tahoma" pitchFamily="34" charset="0"/>
+                          <a:ea typeface="+mn-ea"/>
+                          <a:cs typeface="Tahoma" pitchFamily="34" charset="0"/>
+                        </a:rPr>
+                        <a:t> only)</a:t>
+                      </a:r>
+                      <a:endParaRPr lang="es-PA" sz="1500" kern="1200" dirty="0" smtClean="0">
+                        <a:solidFill>
+                          <a:schemeClr val="tx2"/>
+                        </a:solidFill>
+                        <a:latin typeface="Tahoma" pitchFamily="34" charset="0"/>
+                        <a:ea typeface="+mn-ea"/>
+                        <a:cs typeface="Tahoma" pitchFamily="34" charset="0"/>
+                      </a:endParaRPr>
+                    </a:p>
+                  </a:txBody>
+                  <a:tcPr/>
+                </a:tc>
+                <a:tc>
+                  <a:txBody>
+                    <a:bodyPr/>
+                    <a:lstStyle/>
+                    <a:p>
+                      <a:pPr marL="0" algn="l" defTabSz="914400" rtl="0" eaLnBrk="1" latinLnBrk="0" hangingPunct="1"/>
+                      <a:r>
+                        <a:rPr lang="es-PA" sz="1500" kern="1200" dirty="0" smtClean="0">
+                          <a:solidFill>
+                            <a:schemeClr val="tx2"/>
+                          </a:solidFill>
+                          <a:latin typeface="Tahoma" pitchFamily="34" charset="0"/>
+                          <a:ea typeface="+mn-ea"/>
+                          <a:cs typeface="Tahoma" pitchFamily="34" charset="0"/>
+                        </a:rPr>
+                        <a:t>● JSON Web </a:t>
+                      </a:r>
+                      <a:r>
+                        <a:rPr lang="es-PA" sz="1500" kern="1200" dirty="0" err="1" smtClean="0">
+                          <a:solidFill>
+                            <a:schemeClr val="tx2"/>
+                          </a:solidFill>
+                          <a:latin typeface="Tahoma" pitchFamily="34" charset="0"/>
+                          <a:ea typeface="+mn-ea"/>
+                          <a:cs typeface="Tahoma" pitchFamily="34" charset="0"/>
+                        </a:rPr>
+                        <a:t>Token</a:t>
+                      </a:r>
+                      <a:r>
+                        <a:rPr lang="es-PA" sz="1500" kern="1200" dirty="0" smtClean="0">
+                          <a:solidFill>
+                            <a:schemeClr val="tx2"/>
+                          </a:solidFill>
+                          <a:latin typeface="Tahoma" pitchFamily="34" charset="0"/>
+                          <a:ea typeface="+mn-ea"/>
+                          <a:cs typeface="Tahoma" pitchFamily="34" charset="0"/>
+                        </a:rPr>
+                        <a:t> (JWT)</a:t>
+                      </a:r>
+                    </a:p>
+                  </a:txBody>
+                  <a:tcPr/>
+                </a:tc>
+              </a:tr>
+              <a:tr h="473277">
+                <a:tc>
+                  <a:txBody>
+                    <a:bodyPr/>
+                    <a:lstStyle/>
+                    <a:p>
+                      <a:r>
+                        <a:rPr lang="es-PA" sz="1500" kern="1200" dirty="0" smtClean="0">
+                          <a:solidFill>
+                            <a:schemeClr val="tx2"/>
+                          </a:solidFill>
+                          <a:latin typeface="Tahoma" pitchFamily="34" charset="0"/>
+                          <a:ea typeface="+mn-ea"/>
+                          <a:cs typeface="Tahoma" pitchFamily="34" charset="0"/>
+                        </a:rPr>
+                        <a:t>● XSLT 1.0</a:t>
+                      </a:r>
+                    </a:p>
+                  </a:txBody>
+                  <a:tcPr/>
+                </a:tc>
+                <a:tc>
+                  <a:txBody>
+                    <a:bodyPr/>
+                    <a:lstStyle/>
+                    <a:p>
+                      <a:pPr marL="0" algn="l" defTabSz="914400" rtl="0" eaLnBrk="1" latinLnBrk="0" hangingPunct="1"/>
+                      <a:r>
+                        <a:rPr lang="es-PA" sz="1500" kern="1200" dirty="0" smtClean="0">
+                          <a:solidFill>
+                            <a:schemeClr val="tx2"/>
+                          </a:solidFill>
+                          <a:latin typeface="Tahoma" pitchFamily="34" charset="0"/>
+                          <a:ea typeface="+mn-ea"/>
+                          <a:cs typeface="Tahoma" pitchFamily="34" charset="0"/>
+                        </a:rPr>
+                        <a:t>● JSON Web Key (JWK)</a:t>
+                      </a:r>
+                    </a:p>
+                  </a:txBody>
+                  <a:tcPr/>
+                </a:tc>
+              </a:tr>
+              <a:tr h="473277">
+                <a:tc>
+                  <a:txBody>
+                    <a:bodyPr/>
+                    <a:lstStyle/>
+                    <a:p>
+                      <a:r>
+                        <a:rPr lang="es-PA" sz="1500" kern="1200" dirty="0" smtClean="0">
+                          <a:solidFill>
+                            <a:schemeClr val="tx2"/>
+                          </a:solidFill>
+                          <a:latin typeface="Tahoma" pitchFamily="34" charset="0"/>
+                          <a:ea typeface="+mn-ea"/>
+                          <a:cs typeface="Tahoma" pitchFamily="34" charset="0"/>
+                        </a:rPr>
+                        <a:t>● </a:t>
+                      </a:r>
+                      <a:r>
+                        <a:rPr lang="es-PA" sz="1500" kern="1200" dirty="0" err="1" smtClean="0">
+                          <a:solidFill>
+                            <a:schemeClr val="tx2"/>
+                          </a:solidFill>
+                          <a:latin typeface="Tahoma" pitchFamily="34" charset="0"/>
+                          <a:ea typeface="+mn-ea"/>
+                          <a:cs typeface="Tahoma" pitchFamily="34" charset="0"/>
+                        </a:rPr>
+                        <a:t>XQuery</a:t>
+                      </a:r>
+                      <a:r>
+                        <a:rPr lang="es-PA" sz="1500" kern="1200" dirty="0" smtClean="0">
+                          <a:solidFill>
+                            <a:schemeClr val="tx2"/>
+                          </a:solidFill>
+                          <a:latin typeface="Tahoma" pitchFamily="34" charset="0"/>
+                          <a:ea typeface="+mn-ea"/>
+                          <a:cs typeface="Tahoma" pitchFamily="34" charset="0"/>
+                        </a:rPr>
+                        <a:t> 1.0</a:t>
+                      </a:r>
+                    </a:p>
+                  </a:txBody>
+                  <a:tcPr/>
+                </a:tc>
+                <a:tc>
+                  <a:txBody>
+                    <a:bodyPr/>
+                    <a:lstStyle/>
+                    <a:p>
+                      <a:pPr marL="0" algn="l" defTabSz="914400" rtl="0" eaLnBrk="1" latinLnBrk="0" hangingPunct="1"/>
+                      <a:r>
+                        <a:rPr lang="es-PA" sz="1500" kern="1200" dirty="0" smtClean="0">
+                          <a:solidFill>
+                            <a:schemeClr val="tx2"/>
+                          </a:solidFill>
+                          <a:latin typeface="Tahoma" pitchFamily="34" charset="0"/>
+                          <a:ea typeface="+mn-ea"/>
+                          <a:cs typeface="Tahoma" pitchFamily="34" charset="0"/>
+                        </a:rPr>
+                        <a:t>● WS-Security 1.0, 1.1</a:t>
+                      </a:r>
+                    </a:p>
+                  </a:txBody>
+                  <a:tcPr/>
+                </a:tc>
+              </a:tr>
+              <a:tr h="473277">
+                <a:tc>
+                  <a:txBody>
+                    <a:bodyPr/>
+                    <a:lstStyle/>
+                    <a:p>
+                      <a:endParaRPr lang="es-PA" sz="1500" kern="1200" dirty="0" err="1" smtClean="0">
+                        <a:solidFill>
+                          <a:schemeClr val="tx2"/>
+                        </a:solidFill>
+                        <a:latin typeface="Tahoma" pitchFamily="34" charset="0"/>
+                        <a:ea typeface="+mn-ea"/>
+                        <a:cs typeface="Tahoma" pitchFamily="34" charset="0"/>
+                      </a:endParaRPr>
+                    </a:p>
+                  </a:txBody>
+                  <a:tcPr/>
+                </a:tc>
+                <a:tc>
+                  <a:txBody>
+                    <a:bodyPr/>
+                    <a:lstStyle/>
+                    <a:p>
+                      <a:pPr marL="0" algn="l" defTabSz="914400" rtl="0" eaLnBrk="1" latinLnBrk="0" hangingPunct="1"/>
+                      <a:endParaRPr lang="es-PA" sz="1500" kern="1200" dirty="0" smtClean="0">
+                        <a:solidFill>
+                          <a:schemeClr val="tx2"/>
+                        </a:solidFill>
+                        <a:latin typeface="Tahoma" pitchFamily="34" charset="0"/>
+                        <a:ea typeface="+mn-ea"/>
+                        <a:cs typeface="Tahoma" pitchFamily="34" charset="0"/>
+                      </a:endParaRPr>
+                    </a:p>
+                  </a:txBody>
+                  <a:tcPr/>
+                </a:tc>
+              </a:tr>
+            </a:tbl>
+          </a:graphicData>
+        </a:graphic>
+      </p:graphicFrame>
     </p:spTree>
   </p:cSld>
   <p:clrMapOvr>
@@ -4815,7 +5545,7 @@
         </p:nvSpPr>
         <p:spPr>
           <a:xfrm>
-            <a:off x="271463" y="1130300"/>
+            <a:off x="357158" y="1142984"/>
             <a:ext cx="8229600" cy="369888"/>
           </a:xfrm>
         </p:spPr>
@@ -4826,6 +5556,1574 @@
             <a:pPr>
               <a:defRPr/>
             </a:pPr>
+            <a:r>
+              <a:rPr lang="es-MX" dirty="0" smtClean="0">
+                <a:effectLst>
+                  <a:outerShdw blurRad="38100" dist="38100" dir="2700000" algn="tl">
+                    <a:srgbClr val="000000">
+                      <a:alpha val="43137"/>
+                    </a:srgbClr>
+                  </a:outerShdw>
+                </a:effectLst>
+              </a:rPr>
+              <a:t>Datos Técnicos</a:t>
+            </a:r>
+            <a:endParaRPr lang="es-PA" dirty="0">
+              <a:effectLst>
+                <a:outerShdw blurRad="38100" dist="38100" dir="2700000" algn="tl">
+                  <a:srgbClr val="000000">
+                    <a:alpha val="43137"/>
+                  </a:srgbClr>
+                </a:outerShdw>
+              </a:effectLst>
+            </a:endParaRPr>
+          </a:p>
+        </p:txBody>
+      </p:sp>
+      <p:graphicFrame>
+        <p:nvGraphicFramePr>
+          <p:cNvPr id="9" name="8 Tabla"/>
+          <p:cNvGraphicFramePr>
+            <a:graphicFrameLocks noGrp="1"/>
+          </p:cNvGraphicFramePr>
+          <p:nvPr/>
+        </p:nvGraphicFramePr>
+        <p:xfrm>
+          <a:off x="1000100" y="1785926"/>
+          <a:ext cx="7286676" cy="4316268"/>
+        </p:xfrm>
+        <a:graphic>
+          <a:graphicData uri="http://schemas.openxmlformats.org/drawingml/2006/table">
+            <a:tbl>
+              <a:tblPr firstRow="1" bandRow="1">
+                <a:tableStyleId>{10A1B5D5-9B99-4C35-A422-299274C87663}</a:tableStyleId>
+              </a:tblPr>
+              <a:tblGrid>
+                <a:gridCol w="3671827"/>
+                <a:gridCol w="3614849"/>
+              </a:tblGrid>
+              <a:tr h="473277">
+                <a:tc>
+                  <a:txBody>
+                    <a:bodyPr/>
+                    <a:lstStyle/>
+                    <a:p>
+                      <a:r>
+                        <a:rPr lang="es-MX" b="1" dirty="0" smtClean="0">
+                          <a:solidFill>
+                            <a:srgbClr val="002060"/>
+                          </a:solidFill>
+                          <a:effectLst>
+                            <a:outerShdw blurRad="38100" dist="38100" dir="2700000" algn="tl">
+                              <a:srgbClr val="000000">
+                                <a:alpha val="43137"/>
+                              </a:srgbClr>
+                            </a:outerShdw>
+                          </a:effectLst>
+                          <a:latin typeface="Tahoma" pitchFamily="34" charset="0"/>
+                          <a:ea typeface="+mj-ea"/>
+                          <a:cs typeface="Tahoma" pitchFamily="34" charset="0"/>
+                        </a:rPr>
+                        <a:t>Transporte y conectividad</a:t>
+                      </a:r>
+                      <a:endParaRPr lang="es-PA" b="1" dirty="0" smtClean="0">
+                        <a:solidFill>
+                          <a:srgbClr val="002060"/>
+                        </a:solidFill>
+                        <a:effectLst>
+                          <a:outerShdw blurRad="38100" dist="38100" dir="2700000" algn="tl">
+                            <a:srgbClr val="000000">
+                              <a:alpha val="43137"/>
+                            </a:srgbClr>
+                          </a:outerShdw>
+                        </a:effectLst>
+                        <a:latin typeface="Tahoma" pitchFamily="34" charset="0"/>
+                        <a:ea typeface="+mj-ea"/>
+                        <a:cs typeface="Tahoma" pitchFamily="34" charset="0"/>
+                      </a:endParaRPr>
+                    </a:p>
+                  </a:txBody>
+                  <a:tcPr>
+                    <a:solidFill>
+                      <a:schemeClr val="tx2">
+                        <a:lumMod val="40000"/>
+                        <a:lumOff val="60000"/>
+                      </a:schemeClr>
+                    </a:solidFill>
+                  </a:tcPr>
+                </a:tc>
+                <a:tc>
+                  <a:txBody>
+                    <a:bodyPr/>
+                    <a:lstStyle/>
+                    <a:p>
+                      <a:pPr marL="0" algn="l" defTabSz="914400" rtl="0" eaLnBrk="1" latinLnBrk="0" hangingPunct="1"/>
+                      <a:r>
+                        <a:rPr lang="es-MX" sz="1800" b="1" kern="1200" dirty="0" smtClean="0">
+                          <a:solidFill>
+                            <a:srgbClr val="002060"/>
+                          </a:solidFill>
+                          <a:effectLst>
+                            <a:outerShdw blurRad="38100" dist="38100" dir="2700000" algn="tl">
+                              <a:srgbClr val="000000">
+                                <a:alpha val="43137"/>
+                              </a:srgbClr>
+                            </a:outerShdw>
+                          </a:effectLst>
+                          <a:latin typeface="Tahoma" pitchFamily="34" charset="0"/>
+                          <a:ea typeface="+mj-ea"/>
+                          <a:cs typeface="Tahoma" pitchFamily="34" charset="0"/>
+                        </a:rPr>
+                        <a:t>Transporte</a:t>
+                      </a:r>
+                      <a:r>
+                        <a:rPr lang="es-MX" sz="1800" b="1" kern="1200" baseline="0" dirty="0" smtClean="0">
+                          <a:solidFill>
+                            <a:srgbClr val="002060"/>
+                          </a:solidFill>
+                          <a:effectLst>
+                            <a:outerShdw blurRad="38100" dist="38100" dir="2700000" algn="tl">
+                              <a:srgbClr val="000000">
+                                <a:alpha val="43137"/>
+                              </a:srgbClr>
+                            </a:outerShdw>
+                          </a:effectLst>
+                          <a:latin typeface="Tahoma" pitchFamily="34" charset="0"/>
+                          <a:ea typeface="+mj-ea"/>
+                          <a:cs typeface="Tahoma" pitchFamily="34" charset="0"/>
+                        </a:rPr>
+                        <a:t> seguro </a:t>
+                      </a:r>
+                      <a:endParaRPr lang="es-PA" sz="1800" b="1" kern="1200" dirty="0" smtClean="0">
+                        <a:solidFill>
+                          <a:srgbClr val="002060"/>
+                        </a:solidFill>
+                        <a:effectLst>
+                          <a:outerShdw blurRad="38100" dist="38100" dir="2700000" algn="tl">
+                            <a:srgbClr val="000000">
+                              <a:alpha val="43137"/>
+                            </a:srgbClr>
+                          </a:outerShdw>
+                        </a:effectLst>
+                        <a:latin typeface="Tahoma" pitchFamily="34" charset="0"/>
+                        <a:ea typeface="+mj-ea"/>
+                        <a:cs typeface="Tahoma" pitchFamily="34" charset="0"/>
+                      </a:endParaRPr>
+                    </a:p>
+                  </a:txBody>
+                  <a:tcPr>
+                    <a:solidFill>
+                      <a:schemeClr val="tx2">
+                        <a:lumMod val="40000"/>
+                        <a:lumOff val="60000"/>
+                      </a:schemeClr>
+                    </a:solidFill>
+                  </a:tcPr>
+                </a:tc>
+              </a:tr>
+              <a:tr h="473277">
+                <a:tc>
+                  <a:txBody>
+                    <a:bodyPr/>
+                    <a:lstStyle/>
+                    <a:p>
+                      <a:r>
+                        <a:rPr lang="es-PA" sz="1500" kern="1200" smtClean="0">
+                          <a:solidFill>
+                            <a:schemeClr val="tx2"/>
+                          </a:solidFill>
+                          <a:latin typeface="Tahoma" pitchFamily="34" charset="0"/>
+                          <a:ea typeface="+mn-ea"/>
+                          <a:cs typeface="Tahoma" pitchFamily="34" charset="0"/>
+                        </a:rPr>
+                        <a:t>● HTTP 1.1, HTTP/2, HTTPS, WebSocket Proxy</a:t>
+                      </a:r>
+                      <a:endParaRPr lang="es-PA" sz="1500" kern="1200" dirty="0" smtClean="0">
+                        <a:solidFill>
+                          <a:schemeClr val="tx2"/>
+                        </a:solidFill>
+                        <a:latin typeface="Tahoma" pitchFamily="34" charset="0"/>
+                        <a:ea typeface="+mn-ea"/>
+                        <a:cs typeface="Tahoma" pitchFamily="34" charset="0"/>
+                      </a:endParaRPr>
+                    </a:p>
+                  </a:txBody>
+                  <a:tcPr/>
+                </a:tc>
+                <a:tc>
+                  <a:txBody>
+                    <a:bodyPr/>
+                    <a:lstStyle/>
+                    <a:p>
+                      <a:pPr marL="0" algn="l" defTabSz="914400" rtl="0" eaLnBrk="1" latinLnBrk="0" hangingPunct="1"/>
+                      <a:r>
+                        <a:rPr lang="en-US" sz="1500" kern="1200" dirty="0" smtClean="0">
+                          <a:solidFill>
+                            <a:schemeClr val="tx2"/>
+                          </a:solidFill>
+                          <a:latin typeface="Tahoma" pitchFamily="34" charset="0"/>
+                          <a:ea typeface="+mn-ea"/>
+                          <a:cs typeface="Tahoma" pitchFamily="34" charset="0"/>
+                        </a:rPr>
+                        <a:t>● SSL versions 2 (deprecated) and 3</a:t>
+                      </a:r>
+                      <a:endParaRPr lang="es-PA" sz="1500" kern="1200" dirty="0" smtClean="0">
+                        <a:solidFill>
+                          <a:schemeClr val="tx2"/>
+                        </a:solidFill>
+                        <a:latin typeface="Tahoma" pitchFamily="34" charset="0"/>
+                        <a:ea typeface="+mn-ea"/>
+                        <a:cs typeface="Tahoma" pitchFamily="34" charset="0"/>
+                      </a:endParaRPr>
+                    </a:p>
+                  </a:txBody>
+                  <a:tcPr/>
+                </a:tc>
+              </a:tr>
+              <a:tr h="473277">
+                <a:tc>
+                  <a:txBody>
+                    <a:bodyPr/>
+                    <a:lstStyle/>
+                    <a:p>
+                      <a:r>
+                        <a:rPr lang="es-PA" sz="1500" kern="1200" dirty="0" smtClean="0">
+                          <a:solidFill>
+                            <a:schemeClr val="tx2"/>
+                          </a:solidFill>
+                          <a:latin typeface="Tahoma" pitchFamily="34" charset="0"/>
+                          <a:ea typeface="+mn-ea"/>
+                          <a:cs typeface="Tahoma" pitchFamily="34" charset="0"/>
+                        </a:rPr>
+                        <a:t>● FTP, FTPS, SFTP</a:t>
+                      </a:r>
+                    </a:p>
+                  </a:txBody>
+                  <a:tcPr/>
+                </a:tc>
+                <a:tc>
+                  <a:txBody>
+                    <a:bodyPr/>
+                    <a:lstStyle/>
+                    <a:p>
+                      <a:pPr marL="0" algn="l" defTabSz="914400" rtl="0" eaLnBrk="1" latinLnBrk="0" hangingPunct="1"/>
+                      <a:r>
+                        <a:rPr lang="en-US" sz="1500" kern="1200" dirty="0" smtClean="0">
+                          <a:solidFill>
+                            <a:schemeClr val="tx2"/>
+                          </a:solidFill>
+                          <a:latin typeface="Tahoma" pitchFamily="34" charset="0"/>
+                          <a:ea typeface="+mn-ea"/>
+                          <a:cs typeface="Tahoma" pitchFamily="34" charset="0"/>
+                        </a:rPr>
+                        <a:t>● TLS versions 1.0, 1.1 and 1.2 (hardware-accelerated on</a:t>
+                      </a:r>
+                    </a:p>
+                    <a:p>
+                      <a:pPr marL="0" algn="l" defTabSz="914400" rtl="0" eaLnBrk="1" latinLnBrk="0" hangingPunct="1"/>
+                      <a:r>
+                        <a:rPr lang="en-US" sz="1500" kern="1200" dirty="0" smtClean="0">
+                          <a:solidFill>
+                            <a:schemeClr val="tx2"/>
+                          </a:solidFill>
+                          <a:latin typeface="Tahoma" pitchFamily="34" charset="0"/>
+                          <a:ea typeface="+mn-ea"/>
+                          <a:cs typeface="Tahoma" pitchFamily="34" charset="0"/>
+                        </a:rPr>
+                        <a:t>  physical gateway)</a:t>
+                      </a:r>
+                      <a:endParaRPr lang="es-PA" sz="1500" kern="1200" dirty="0" smtClean="0">
+                        <a:solidFill>
+                          <a:schemeClr val="tx2"/>
+                        </a:solidFill>
+                        <a:latin typeface="Tahoma" pitchFamily="34" charset="0"/>
+                        <a:ea typeface="+mn-ea"/>
+                        <a:cs typeface="Tahoma" pitchFamily="34" charset="0"/>
+                      </a:endParaRPr>
+                    </a:p>
+                  </a:txBody>
+                  <a:tcPr/>
+                </a:tc>
+              </a:tr>
+              <a:tr h="473277">
+                <a:tc>
+                  <a:txBody>
+                    <a:bodyPr/>
+                    <a:lstStyle/>
+                    <a:p>
+                      <a:r>
+                        <a:rPr lang="es-PA" sz="1500" kern="1200" dirty="0" smtClean="0">
+                          <a:solidFill>
+                            <a:schemeClr val="tx2"/>
+                          </a:solidFill>
+                          <a:latin typeface="Tahoma" pitchFamily="34" charset="0"/>
+                          <a:ea typeface="+mn-ea"/>
+                          <a:cs typeface="Tahoma" pitchFamily="34" charset="0"/>
+                        </a:rPr>
+                        <a:t>● </a:t>
+                      </a:r>
+                      <a:r>
+                        <a:rPr lang="es-PA" sz="1500" kern="1200" dirty="0" err="1" smtClean="0">
+                          <a:solidFill>
+                            <a:schemeClr val="tx2"/>
+                          </a:solidFill>
+                          <a:latin typeface="Tahoma" pitchFamily="34" charset="0"/>
+                          <a:ea typeface="+mn-ea"/>
+                          <a:cs typeface="Tahoma" pitchFamily="34" charset="0"/>
+                        </a:rPr>
+                        <a:t>WebSphere</a:t>
+                      </a:r>
+                      <a:r>
+                        <a:rPr lang="es-PA" sz="1500" kern="1200" dirty="0" smtClean="0">
+                          <a:solidFill>
+                            <a:schemeClr val="tx2"/>
+                          </a:solidFill>
+                          <a:latin typeface="Tahoma" pitchFamily="34" charset="0"/>
+                          <a:ea typeface="+mn-ea"/>
+                          <a:cs typeface="Tahoma" pitchFamily="34" charset="0"/>
+                        </a:rPr>
+                        <a:t> MQ </a:t>
+                      </a:r>
+                    </a:p>
+                  </a:txBody>
+                  <a:tcPr/>
+                </a:tc>
+                <a:tc>
+                  <a:txBody>
+                    <a:bodyPr/>
+                    <a:lstStyle/>
+                    <a:p>
+                      <a:pPr marL="0" algn="l" defTabSz="914400" rtl="0" eaLnBrk="1" latinLnBrk="0" hangingPunct="1"/>
+                      <a:r>
+                        <a:rPr lang="es-PA" sz="1500" kern="1200" dirty="0" smtClean="0">
+                          <a:solidFill>
+                            <a:schemeClr val="tx2"/>
+                          </a:solidFill>
+                          <a:latin typeface="Tahoma" pitchFamily="34" charset="0"/>
+                          <a:ea typeface="+mn-ea"/>
+                          <a:cs typeface="Tahoma" pitchFamily="34" charset="0"/>
+                        </a:rPr>
+                        <a:t>● Server </a:t>
+                      </a:r>
+                      <a:r>
+                        <a:rPr lang="es-PA" sz="1500" kern="1200" dirty="0" err="1" smtClean="0">
+                          <a:solidFill>
+                            <a:schemeClr val="tx2"/>
+                          </a:solidFill>
+                          <a:latin typeface="Tahoma" pitchFamily="34" charset="0"/>
+                          <a:ea typeface="+mn-ea"/>
+                          <a:cs typeface="Tahoma" pitchFamily="34" charset="0"/>
+                        </a:rPr>
+                        <a:t>Name</a:t>
+                      </a:r>
+                      <a:r>
+                        <a:rPr lang="es-PA" sz="1500" kern="1200" dirty="0" smtClean="0">
+                          <a:solidFill>
+                            <a:schemeClr val="tx2"/>
+                          </a:solidFill>
+                          <a:latin typeface="Tahoma" pitchFamily="34" charset="0"/>
+                          <a:ea typeface="+mn-ea"/>
+                          <a:cs typeface="Tahoma" pitchFamily="34" charset="0"/>
+                        </a:rPr>
+                        <a:t> </a:t>
+                      </a:r>
+                      <a:r>
+                        <a:rPr lang="es-PA" sz="1500" kern="1200" dirty="0" err="1" smtClean="0">
+                          <a:solidFill>
+                            <a:schemeClr val="tx2"/>
+                          </a:solidFill>
+                          <a:latin typeface="Tahoma" pitchFamily="34" charset="0"/>
+                          <a:ea typeface="+mn-ea"/>
+                          <a:cs typeface="Tahoma" pitchFamily="34" charset="0"/>
+                        </a:rPr>
+                        <a:t>Indication</a:t>
+                      </a:r>
+                      <a:r>
+                        <a:rPr lang="es-PA" sz="1500" kern="1200" dirty="0" smtClean="0">
+                          <a:solidFill>
+                            <a:schemeClr val="tx2"/>
+                          </a:solidFill>
+                          <a:latin typeface="Tahoma" pitchFamily="34" charset="0"/>
+                          <a:ea typeface="+mn-ea"/>
+                          <a:cs typeface="Tahoma" pitchFamily="34" charset="0"/>
+                        </a:rPr>
+                        <a:t> (SNI)</a:t>
+                      </a:r>
+                    </a:p>
+                  </a:txBody>
+                  <a:tcPr/>
+                </a:tc>
+              </a:tr>
+              <a:tr h="473277">
+                <a:tc>
+                  <a:txBody>
+                    <a:bodyPr/>
+                    <a:lstStyle/>
+                    <a:p>
+                      <a:r>
+                        <a:rPr lang="en-US" sz="1500" kern="1200" dirty="0" smtClean="0">
+                          <a:solidFill>
+                            <a:schemeClr val="tx2"/>
+                          </a:solidFill>
+                          <a:latin typeface="Tahoma" pitchFamily="34" charset="0"/>
+                          <a:ea typeface="+mn-ea"/>
+                          <a:cs typeface="Tahoma" pitchFamily="34" charset="0"/>
+                        </a:rPr>
+                        <a:t>● </a:t>
+                      </a:r>
+                      <a:r>
+                        <a:rPr lang="en-US" sz="1500" kern="1200" dirty="0" err="1" smtClean="0">
+                          <a:solidFill>
+                            <a:schemeClr val="tx2"/>
+                          </a:solidFill>
+                          <a:latin typeface="Tahoma" pitchFamily="34" charset="0"/>
+                          <a:ea typeface="+mn-ea"/>
+                          <a:cs typeface="Tahoma" pitchFamily="34" charset="0"/>
+                        </a:rPr>
+                        <a:t>WebSphere</a:t>
+                      </a:r>
+                      <a:r>
+                        <a:rPr lang="en-US" sz="1500" kern="1200" dirty="0" smtClean="0">
+                          <a:solidFill>
+                            <a:schemeClr val="tx2"/>
+                          </a:solidFill>
+                          <a:latin typeface="Tahoma" pitchFamily="34" charset="0"/>
+                          <a:ea typeface="+mn-ea"/>
+                          <a:cs typeface="Tahoma" pitchFamily="34" charset="0"/>
+                        </a:rPr>
+                        <a:t> MQ File Transfer Edition (MQFTE)</a:t>
+                      </a:r>
+                      <a:endParaRPr lang="es-PA" sz="1500" kern="1200" dirty="0" smtClean="0">
+                        <a:solidFill>
+                          <a:schemeClr val="tx2"/>
+                        </a:solidFill>
+                        <a:latin typeface="Tahoma" pitchFamily="34" charset="0"/>
+                        <a:ea typeface="+mn-ea"/>
+                        <a:cs typeface="Tahoma" pitchFamily="34" charset="0"/>
+                      </a:endParaRPr>
+                    </a:p>
+                  </a:txBody>
+                  <a:tcPr/>
+                </a:tc>
+                <a:tc>
+                  <a:txBody>
+                    <a:bodyPr/>
+                    <a:lstStyle/>
+                    <a:p>
+                      <a:pPr marL="0" algn="l" defTabSz="914400" rtl="0" eaLnBrk="1" latinLnBrk="0" hangingPunct="1"/>
+                      <a:r>
+                        <a:rPr lang="es-PA" sz="1500" kern="1200" dirty="0" smtClean="0">
+                          <a:solidFill>
+                            <a:schemeClr val="tx2"/>
+                          </a:solidFill>
+                          <a:latin typeface="Tahoma" pitchFamily="34" charset="0"/>
+                          <a:ea typeface="+mn-ea"/>
+                          <a:cs typeface="Tahoma" pitchFamily="34" charset="0"/>
+                        </a:rPr>
+                        <a:t>● </a:t>
+                      </a:r>
+                      <a:r>
+                        <a:rPr lang="es-PA" sz="1500" kern="1200" dirty="0" err="1" smtClean="0">
+                          <a:solidFill>
+                            <a:schemeClr val="tx2"/>
+                          </a:solidFill>
+                          <a:latin typeface="Tahoma" pitchFamily="34" charset="0"/>
+                          <a:ea typeface="+mn-ea"/>
+                          <a:cs typeface="Tahoma" pitchFamily="34" charset="0"/>
+                        </a:rPr>
+                        <a:t>Elliptical</a:t>
+                      </a:r>
+                      <a:r>
+                        <a:rPr lang="es-PA" sz="1500" kern="1200" dirty="0" smtClean="0">
+                          <a:solidFill>
+                            <a:schemeClr val="tx2"/>
+                          </a:solidFill>
+                          <a:latin typeface="Tahoma" pitchFamily="34" charset="0"/>
+                          <a:ea typeface="+mn-ea"/>
+                          <a:cs typeface="Tahoma" pitchFamily="34" charset="0"/>
+                        </a:rPr>
+                        <a:t> Curve </a:t>
+                      </a:r>
+                      <a:r>
+                        <a:rPr lang="es-PA" sz="1500" kern="1200" dirty="0" err="1" smtClean="0">
+                          <a:solidFill>
+                            <a:schemeClr val="tx2"/>
+                          </a:solidFill>
+                          <a:latin typeface="Tahoma" pitchFamily="34" charset="0"/>
+                          <a:ea typeface="+mn-ea"/>
+                          <a:cs typeface="Tahoma" pitchFamily="34" charset="0"/>
+                        </a:rPr>
+                        <a:t>Cryptography</a:t>
+                      </a:r>
+                      <a:r>
+                        <a:rPr lang="es-PA" sz="1500" kern="1200" dirty="0" smtClean="0">
+                          <a:solidFill>
+                            <a:schemeClr val="tx2"/>
+                          </a:solidFill>
+                          <a:latin typeface="Tahoma" pitchFamily="34" charset="0"/>
+                          <a:ea typeface="+mn-ea"/>
+                          <a:cs typeface="Tahoma" pitchFamily="34" charset="0"/>
+                        </a:rPr>
+                        <a:t> (ECC)</a:t>
+                      </a:r>
+                    </a:p>
+                  </a:txBody>
+                  <a:tcPr/>
+                </a:tc>
+              </a:tr>
+              <a:tr h="473277">
+                <a:tc>
+                  <a:txBody>
+                    <a:bodyPr/>
+                    <a:lstStyle/>
+                    <a:p>
+                      <a:r>
+                        <a:rPr lang="es-PA" sz="1500" kern="1200" dirty="0" smtClean="0">
+                          <a:solidFill>
+                            <a:schemeClr val="tx2"/>
+                          </a:solidFill>
+                          <a:latin typeface="Tahoma" pitchFamily="34" charset="0"/>
+                          <a:ea typeface="+mn-ea"/>
+                          <a:cs typeface="Tahoma" pitchFamily="34" charset="0"/>
+                        </a:rPr>
+                        <a:t>● TIBCO EMS </a:t>
+                      </a:r>
+                    </a:p>
+                  </a:txBody>
+                  <a:tcPr/>
+                </a:tc>
+                <a:tc>
+                  <a:txBody>
+                    <a:bodyPr/>
+                    <a:lstStyle/>
+                    <a:p>
+                      <a:pPr marL="0" algn="l" defTabSz="914400" rtl="0" eaLnBrk="1" latinLnBrk="0" hangingPunct="1"/>
+                      <a:r>
+                        <a:rPr lang="es-PA" sz="1500" kern="1200" dirty="0" smtClean="0">
+                          <a:solidFill>
+                            <a:schemeClr val="tx2"/>
+                          </a:solidFill>
+                          <a:latin typeface="Tahoma" pitchFamily="34" charset="0"/>
+                          <a:ea typeface="+mn-ea"/>
+                          <a:cs typeface="Tahoma" pitchFamily="34" charset="0"/>
+                        </a:rPr>
+                        <a:t>● </a:t>
+                      </a:r>
+                      <a:r>
+                        <a:rPr lang="es-PA" sz="1500" kern="1200" dirty="0" err="1" smtClean="0">
+                          <a:solidFill>
+                            <a:schemeClr val="tx2"/>
+                          </a:solidFill>
+                          <a:latin typeface="Tahoma" pitchFamily="34" charset="0"/>
+                          <a:ea typeface="+mn-ea"/>
+                          <a:cs typeface="Tahoma" pitchFamily="34" charset="0"/>
+                        </a:rPr>
+                        <a:t>Perfect</a:t>
+                      </a:r>
+                      <a:r>
+                        <a:rPr lang="es-PA" sz="1500" kern="1200" dirty="0" smtClean="0">
+                          <a:solidFill>
+                            <a:schemeClr val="tx2"/>
+                          </a:solidFill>
+                          <a:latin typeface="Tahoma" pitchFamily="34" charset="0"/>
+                          <a:ea typeface="+mn-ea"/>
+                          <a:cs typeface="Tahoma" pitchFamily="34" charset="0"/>
+                        </a:rPr>
+                        <a:t> Forward Security (PFS)</a:t>
+                      </a:r>
+                    </a:p>
+                  </a:txBody>
+                  <a:tcPr/>
+                </a:tc>
+              </a:tr>
+              <a:tr h="473277">
+                <a:tc>
+                  <a:txBody>
+                    <a:bodyPr/>
+                    <a:lstStyle/>
+                    <a:p>
+                      <a:r>
+                        <a:rPr lang="fr-FR" sz="1500" kern="1200" dirty="0" smtClean="0">
+                          <a:solidFill>
+                            <a:schemeClr val="tx2"/>
+                          </a:solidFill>
+                          <a:latin typeface="Tahoma" pitchFamily="34" charset="0"/>
+                          <a:ea typeface="+mn-ea"/>
+                          <a:cs typeface="Tahoma" pitchFamily="34" charset="0"/>
+                        </a:rPr>
+                        <a:t>● </a:t>
+                      </a:r>
+                      <a:r>
+                        <a:rPr lang="fr-FR" sz="1500" kern="1200" dirty="0" err="1" smtClean="0">
+                          <a:solidFill>
+                            <a:schemeClr val="tx2"/>
+                          </a:solidFill>
+                          <a:latin typeface="Tahoma" pitchFamily="34" charset="0"/>
+                          <a:ea typeface="+mn-ea"/>
+                          <a:cs typeface="Tahoma" pitchFamily="34" charset="0"/>
+                        </a:rPr>
+                        <a:t>WebSphere</a:t>
+                      </a:r>
+                      <a:r>
+                        <a:rPr lang="fr-FR" sz="1500" kern="1200" dirty="0" smtClean="0">
+                          <a:solidFill>
+                            <a:schemeClr val="tx2"/>
+                          </a:solidFill>
+                          <a:latin typeface="Tahoma" pitchFamily="34" charset="0"/>
+                          <a:ea typeface="+mn-ea"/>
+                          <a:cs typeface="Tahoma" pitchFamily="34" charset="0"/>
+                        </a:rPr>
+                        <a:t> Java Message Service (JMS)</a:t>
+                      </a:r>
+                      <a:endParaRPr lang="es-PA" sz="1500" kern="1200" dirty="0" smtClean="0">
+                        <a:solidFill>
+                          <a:schemeClr val="tx2"/>
+                        </a:solidFill>
+                        <a:latin typeface="Tahoma" pitchFamily="34" charset="0"/>
+                        <a:ea typeface="+mn-ea"/>
+                        <a:cs typeface="Tahoma" pitchFamily="34" charset="0"/>
+                      </a:endParaRPr>
+                    </a:p>
+                  </a:txBody>
+                  <a:tcPr/>
+                </a:tc>
+                <a:tc>
+                  <a:txBody>
+                    <a:bodyPr/>
+                    <a:lstStyle/>
+                    <a:p>
+                      <a:pPr marL="0" algn="l" defTabSz="914400" rtl="0" eaLnBrk="1" latinLnBrk="0" hangingPunct="1"/>
+                      <a:endParaRPr lang="es-PA" sz="1500" kern="1200" dirty="0" smtClean="0">
+                        <a:solidFill>
+                          <a:schemeClr val="tx2"/>
+                        </a:solidFill>
+                        <a:latin typeface="Tahoma" pitchFamily="34" charset="0"/>
+                        <a:ea typeface="+mn-ea"/>
+                        <a:cs typeface="Tahoma" pitchFamily="34" charset="0"/>
+                      </a:endParaRPr>
+                    </a:p>
+                  </a:txBody>
+                  <a:tcPr/>
+                </a:tc>
+              </a:tr>
+              <a:tr h="473277">
+                <a:tc>
+                  <a:txBody>
+                    <a:bodyPr/>
+                    <a:lstStyle/>
+                    <a:p>
+                      <a:r>
+                        <a:rPr lang="en-US" sz="1500" kern="1200" dirty="0" smtClean="0">
+                          <a:solidFill>
+                            <a:schemeClr val="tx2"/>
+                          </a:solidFill>
+                          <a:latin typeface="Tahoma" pitchFamily="34" charset="0"/>
+                          <a:ea typeface="+mn-ea"/>
+                          <a:cs typeface="Tahoma" pitchFamily="34" charset="0"/>
+                        </a:rPr>
+                        <a:t>● IBM IMS™ Connect &amp; IMS Callout</a:t>
+                      </a:r>
+                      <a:endParaRPr lang="es-PA" sz="1500" kern="1200" dirty="0" err="1" smtClean="0">
+                        <a:solidFill>
+                          <a:schemeClr val="tx2"/>
+                        </a:solidFill>
+                        <a:latin typeface="Tahoma" pitchFamily="34" charset="0"/>
+                        <a:ea typeface="+mn-ea"/>
+                        <a:cs typeface="Tahoma" pitchFamily="34" charset="0"/>
+                      </a:endParaRPr>
+                    </a:p>
+                  </a:txBody>
+                  <a:tcPr/>
+                </a:tc>
+                <a:tc>
+                  <a:txBody>
+                    <a:bodyPr/>
+                    <a:lstStyle/>
+                    <a:p>
+                      <a:pPr marL="0" algn="l" defTabSz="914400" rtl="0" eaLnBrk="1" latinLnBrk="0" hangingPunct="1"/>
+                      <a:endParaRPr lang="es-PA" sz="1500" kern="1200" dirty="0" smtClean="0">
+                        <a:solidFill>
+                          <a:schemeClr val="tx2"/>
+                        </a:solidFill>
+                        <a:latin typeface="Tahoma" pitchFamily="34" charset="0"/>
+                        <a:ea typeface="+mn-ea"/>
+                        <a:cs typeface="Tahoma" pitchFamily="34" charset="0"/>
+                      </a:endParaRPr>
+                    </a:p>
+                  </a:txBody>
+                  <a:tcPr/>
+                </a:tc>
+              </a:tr>
+            </a:tbl>
+          </a:graphicData>
+        </a:graphic>
+      </p:graphicFrame>
+    </p:spTree>
+  </p:cSld>
+  <p:clrMapOvr>
+    <a:masterClrMapping/>
+  </p:clrMapOvr>
+</p:sld>
+</file>
+
+<file path=ppt/slides/slide5.xml><?xml version="1.0" encoding="utf-8"?>
+<p:sld xmlns:a="http://schemas.openxmlformats.org/drawingml/2006/main" xmlns:r="http://schemas.openxmlformats.org/officeDocument/2006/relationships" xmlns:p="http://schemas.openxmlformats.org/presentationml/2006/main">
+  <p:cSld>
+    <p:spTree>
+      <p:nvGrpSpPr>
+        <p:cNvPr id="1" name=""/>
+        <p:cNvGrpSpPr/>
+        <p:nvPr/>
+      </p:nvGrpSpPr>
+      <p:grpSpPr>
+        <a:xfrm>
+          <a:off x="0" y="0"/>
+          <a:ext cx="0" cy="0"/>
+          <a:chOff x="0" y="0"/>
+          <a:chExt cx="0" cy="0"/>
+        </a:xfrm>
+      </p:grpSpPr>
+      <p:sp>
+        <p:nvSpPr>
+          <p:cNvPr id="2" name="1 Título"/>
+          <p:cNvSpPr>
+            <a:spLocks noGrp="1"/>
+          </p:cNvSpPr>
+          <p:nvPr>
+            <p:ph type="title"/>
+          </p:nvPr>
+        </p:nvSpPr>
+        <p:spPr>
+          <a:xfrm>
+            <a:off x="357158" y="1142984"/>
+            <a:ext cx="8229600" cy="369888"/>
+          </a:xfrm>
+        </p:spPr>
+        <p:txBody>
+          <a:bodyPr/>
+          <a:lstStyle/>
+          <a:p>
+            <a:pPr>
+              <a:defRPr/>
+            </a:pPr>
+            <a:r>
+              <a:rPr lang="es-MX" dirty="0" smtClean="0">
+                <a:effectLst>
+                  <a:outerShdw blurRad="38100" dist="38100" dir="2700000" algn="tl">
+                    <a:srgbClr val="000000">
+                      <a:alpha val="43137"/>
+                    </a:srgbClr>
+                  </a:outerShdw>
+                </a:effectLst>
+              </a:rPr>
+              <a:t>Datos Técnicos</a:t>
+            </a:r>
+            <a:endParaRPr lang="es-PA" dirty="0">
+              <a:effectLst>
+                <a:outerShdw blurRad="38100" dist="38100" dir="2700000" algn="tl">
+                  <a:srgbClr val="000000">
+                    <a:alpha val="43137"/>
+                  </a:srgbClr>
+                </a:outerShdw>
+              </a:effectLst>
+            </a:endParaRPr>
+          </a:p>
+        </p:txBody>
+      </p:sp>
+      <p:graphicFrame>
+        <p:nvGraphicFramePr>
+          <p:cNvPr id="9" name="8 Tabla"/>
+          <p:cNvGraphicFramePr>
+            <a:graphicFrameLocks noGrp="1"/>
+          </p:cNvGraphicFramePr>
+          <p:nvPr/>
+        </p:nvGraphicFramePr>
+        <p:xfrm>
+          <a:off x="1000100" y="1643050"/>
+          <a:ext cx="7143800" cy="4580388"/>
+        </p:xfrm>
+        <a:graphic>
+          <a:graphicData uri="http://schemas.openxmlformats.org/drawingml/2006/table">
+            <a:tbl>
+              <a:tblPr firstRow="1" bandRow="1">
+                <a:tableStyleId>{10A1B5D5-9B99-4C35-A422-299274C87663}</a:tableStyleId>
+              </a:tblPr>
+              <a:tblGrid>
+                <a:gridCol w="3599830"/>
+                <a:gridCol w="3543970"/>
+              </a:tblGrid>
+              <a:tr h="415674">
+                <a:tc>
+                  <a:txBody>
+                    <a:bodyPr/>
+                    <a:lstStyle/>
+                    <a:p>
+                      <a:r>
+                        <a:rPr lang="es-MX" b="1" dirty="0" smtClean="0">
+                          <a:solidFill>
+                            <a:srgbClr val="002060"/>
+                          </a:solidFill>
+                          <a:effectLst>
+                            <a:outerShdw blurRad="38100" dist="38100" dir="2700000" algn="tl">
+                              <a:srgbClr val="000000">
+                                <a:alpha val="43137"/>
+                              </a:srgbClr>
+                            </a:outerShdw>
+                          </a:effectLst>
+                          <a:latin typeface="Tahoma" pitchFamily="34" charset="0"/>
+                          <a:ea typeface="+mj-ea"/>
+                          <a:cs typeface="Tahoma" pitchFamily="34" charset="0"/>
+                        </a:rPr>
+                        <a:t>Llaves de seguridad</a:t>
+                      </a:r>
+                      <a:endParaRPr lang="es-PA" b="1" dirty="0" smtClean="0">
+                        <a:solidFill>
+                          <a:srgbClr val="002060"/>
+                        </a:solidFill>
+                        <a:effectLst>
+                          <a:outerShdw blurRad="38100" dist="38100" dir="2700000" algn="tl">
+                            <a:srgbClr val="000000">
+                              <a:alpha val="43137"/>
+                            </a:srgbClr>
+                          </a:outerShdw>
+                        </a:effectLst>
+                        <a:latin typeface="Tahoma" pitchFamily="34" charset="0"/>
+                        <a:ea typeface="+mj-ea"/>
+                        <a:cs typeface="Tahoma" pitchFamily="34" charset="0"/>
+                      </a:endParaRPr>
+                    </a:p>
+                  </a:txBody>
+                  <a:tcPr>
+                    <a:solidFill>
+                      <a:schemeClr val="tx2">
+                        <a:lumMod val="40000"/>
+                        <a:lumOff val="60000"/>
+                      </a:schemeClr>
+                    </a:solidFill>
+                  </a:tcPr>
+                </a:tc>
+                <a:tc>
+                  <a:txBody>
+                    <a:bodyPr/>
+                    <a:lstStyle/>
+                    <a:p>
+                      <a:pPr marL="0" algn="l" defTabSz="914400" rtl="0" eaLnBrk="1" latinLnBrk="0" hangingPunct="1"/>
+                      <a:r>
+                        <a:rPr lang="es-MX" sz="1800" b="1" kern="1200" dirty="0" smtClean="0">
+                          <a:solidFill>
+                            <a:srgbClr val="002060"/>
+                          </a:solidFill>
+                          <a:effectLst>
+                            <a:outerShdw blurRad="38100" dist="38100" dir="2700000" algn="tl">
+                              <a:srgbClr val="000000">
+                                <a:alpha val="43137"/>
+                              </a:srgbClr>
+                            </a:outerShdw>
+                          </a:effectLst>
+                          <a:latin typeface="Tahoma" pitchFamily="34" charset="0"/>
+                          <a:ea typeface="+mj-ea"/>
+                          <a:cs typeface="Tahoma" pitchFamily="34" charset="0"/>
+                        </a:rPr>
+                        <a:t>Web</a:t>
+                      </a:r>
+                      <a:r>
+                        <a:rPr lang="es-MX" sz="1800" b="1" kern="1200" baseline="0" dirty="0" smtClean="0">
+                          <a:solidFill>
+                            <a:srgbClr val="002060"/>
+                          </a:solidFill>
+                          <a:effectLst>
+                            <a:outerShdw blurRad="38100" dist="38100" dir="2700000" algn="tl">
+                              <a:srgbClr val="000000">
+                                <a:alpha val="43137"/>
+                              </a:srgbClr>
+                            </a:outerShdw>
+                          </a:effectLst>
+                          <a:latin typeface="Tahoma" pitchFamily="34" charset="0"/>
+                          <a:ea typeface="+mj-ea"/>
+                          <a:cs typeface="Tahoma" pitchFamily="34" charset="0"/>
+                        </a:rPr>
+                        <a:t> </a:t>
+                      </a:r>
+                      <a:r>
+                        <a:rPr lang="es-MX" sz="1800" b="1" kern="1200" baseline="0" dirty="0" err="1" smtClean="0">
+                          <a:solidFill>
+                            <a:srgbClr val="002060"/>
+                          </a:solidFill>
+                          <a:effectLst>
+                            <a:outerShdw blurRad="38100" dist="38100" dir="2700000" algn="tl">
+                              <a:srgbClr val="000000">
+                                <a:alpha val="43137"/>
+                              </a:srgbClr>
+                            </a:outerShdw>
+                          </a:effectLst>
+                          <a:latin typeface="Tahoma" pitchFamily="34" charset="0"/>
+                          <a:ea typeface="+mj-ea"/>
+                          <a:cs typeface="Tahoma" pitchFamily="34" charset="0"/>
+                        </a:rPr>
+                        <a:t>services</a:t>
+                      </a:r>
+                      <a:endParaRPr lang="es-PA" sz="1800" b="1" kern="1200" dirty="0" smtClean="0">
+                        <a:solidFill>
+                          <a:srgbClr val="002060"/>
+                        </a:solidFill>
+                        <a:effectLst>
+                          <a:outerShdw blurRad="38100" dist="38100" dir="2700000" algn="tl">
+                            <a:srgbClr val="000000">
+                              <a:alpha val="43137"/>
+                            </a:srgbClr>
+                          </a:outerShdw>
+                        </a:effectLst>
+                        <a:latin typeface="Tahoma" pitchFamily="34" charset="0"/>
+                        <a:ea typeface="+mj-ea"/>
+                        <a:cs typeface="Tahoma" pitchFamily="34" charset="0"/>
+                      </a:endParaRPr>
+                    </a:p>
+                  </a:txBody>
+                  <a:tcPr>
+                    <a:solidFill>
+                      <a:schemeClr val="tx2">
+                        <a:lumMod val="40000"/>
+                        <a:lumOff val="60000"/>
+                      </a:schemeClr>
+                    </a:solidFill>
+                  </a:tcPr>
+                </a:tc>
+              </a:tr>
+              <a:tr h="481865">
+                <a:tc>
+                  <a:txBody>
+                    <a:bodyPr/>
+                    <a:lstStyle/>
+                    <a:p>
+                      <a:r>
+                        <a:rPr lang="fr-FR" sz="1500" kern="1200" dirty="0" smtClean="0">
+                          <a:solidFill>
+                            <a:schemeClr val="tx2"/>
+                          </a:solidFill>
+                          <a:latin typeface="Tahoma" pitchFamily="34" charset="0"/>
+                          <a:ea typeface="+mn-ea"/>
+                          <a:cs typeface="Tahoma" pitchFamily="34" charset="0"/>
+                        </a:rPr>
+                        <a:t>● RSA, 3DES, DES, AES, SHA, X.509, </a:t>
+                      </a:r>
+                      <a:r>
+                        <a:rPr lang="fr-FR" sz="1500" kern="1200" dirty="0" err="1" smtClean="0">
+                          <a:solidFill>
+                            <a:schemeClr val="tx2"/>
+                          </a:solidFill>
+                          <a:latin typeface="Tahoma" pitchFamily="34" charset="0"/>
+                          <a:ea typeface="+mn-ea"/>
+                          <a:cs typeface="Tahoma" pitchFamily="34" charset="0"/>
+                        </a:rPr>
+                        <a:t>CRLs</a:t>
+                      </a:r>
+                      <a:r>
+                        <a:rPr lang="fr-FR" sz="1500" kern="1200" dirty="0" smtClean="0">
+                          <a:solidFill>
+                            <a:schemeClr val="tx2"/>
+                          </a:solidFill>
+                          <a:latin typeface="Tahoma" pitchFamily="34" charset="0"/>
+                          <a:ea typeface="+mn-ea"/>
+                          <a:cs typeface="Tahoma" pitchFamily="34" charset="0"/>
+                        </a:rPr>
+                        <a:t>, OCSP</a:t>
+                      </a:r>
+                      <a:endParaRPr lang="es-PA" sz="1500" kern="1200" dirty="0" smtClean="0">
+                        <a:solidFill>
+                          <a:schemeClr val="tx2"/>
+                        </a:solidFill>
+                        <a:latin typeface="Tahoma" pitchFamily="34" charset="0"/>
+                        <a:ea typeface="+mn-ea"/>
+                        <a:cs typeface="Tahoma" pitchFamily="34" charset="0"/>
+                      </a:endParaRPr>
+                    </a:p>
+                  </a:txBody>
+                  <a:tcPr/>
+                </a:tc>
+                <a:tc>
+                  <a:txBody>
+                    <a:bodyPr/>
+                    <a:lstStyle/>
+                    <a:p>
+                      <a:pPr marL="0" algn="l" defTabSz="914400" rtl="0" eaLnBrk="1" latinLnBrk="0" hangingPunct="1"/>
+                      <a:r>
+                        <a:rPr lang="en-US" sz="1500" kern="1200" dirty="0" smtClean="0">
+                          <a:solidFill>
+                            <a:schemeClr val="tx2"/>
+                          </a:solidFill>
+                          <a:latin typeface="Tahoma" pitchFamily="34" charset="0"/>
+                          <a:ea typeface="+mn-ea"/>
+                          <a:cs typeface="Tahoma" pitchFamily="34" charset="0"/>
+                        </a:rPr>
+                        <a:t>● WS-I Basic Profile 1.0, 1.1</a:t>
+                      </a:r>
+                    </a:p>
+                    <a:p>
+                      <a:pPr marL="0" algn="l" defTabSz="914400" rtl="0" eaLnBrk="1" latinLnBrk="0" hangingPunct="1"/>
+                      <a:r>
+                        <a:rPr lang="es-PA" sz="1500" kern="1200" dirty="0" smtClean="0">
+                          <a:solidFill>
+                            <a:schemeClr val="tx2"/>
+                          </a:solidFill>
+                          <a:latin typeface="Tahoma" pitchFamily="34" charset="0"/>
+                          <a:ea typeface="+mn-ea"/>
+                          <a:cs typeface="Tahoma" pitchFamily="34" charset="0"/>
+                        </a:rPr>
+                        <a:t>● WS-</a:t>
+                      </a:r>
+                      <a:r>
+                        <a:rPr lang="es-PA" sz="1500" kern="1200" dirty="0" err="1" smtClean="0">
+                          <a:solidFill>
+                            <a:schemeClr val="tx2"/>
+                          </a:solidFill>
+                          <a:latin typeface="Tahoma" pitchFamily="34" charset="0"/>
+                          <a:ea typeface="+mn-ea"/>
+                          <a:cs typeface="Tahoma" pitchFamily="34" charset="0"/>
+                        </a:rPr>
+                        <a:t>Policy</a:t>
+                      </a:r>
+                      <a:r>
+                        <a:rPr lang="es-PA" sz="1500" kern="1200" dirty="0" smtClean="0">
+                          <a:solidFill>
+                            <a:schemeClr val="tx2"/>
+                          </a:solidFill>
+                          <a:latin typeface="Tahoma" pitchFamily="34" charset="0"/>
+                          <a:ea typeface="+mn-ea"/>
+                          <a:cs typeface="Tahoma" pitchFamily="34" charset="0"/>
+                        </a:rPr>
+                        <a:t> Framework</a:t>
+                      </a:r>
+                    </a:p>
+                  </a:txBody>
+                  <a:tcPr/>
+                </a:tc>
+              </a:tr>
+              <a:tr h="481865">
+                <a:tc>
+                  <a:txBody>
+                    <a:bodyPr/>
+                    <a:lstStyle/>
+                    <a:p>
+                      <a:r>
+                        <a:rPr lang="es-PA" sz="1500" kern="1200" dirty="0" smtClean="0">
+                          <a:solidFill>
+                            <a:schemeClr val="tx2"/>
+                          </a:solidFill>
+                          <a:latin typeface="Tahoma" pitchFamily="34" charset="0"/>
+                          <a:ea typeface="+mn-ea"/>
+                          <a:cs typeface="Tahoma" pitchFamily="34" charset="0"/>
+                        </a:rPr>
+                        <a:t>● PKCS#1, PKCS#5, PKCS#7, PKCS#8, PKCS#10, PKCS#12</a:t>
+                      </a:r>
+                    </a:p>
+                  </a:txBody>
+                  <a:tcPr/>
+                </a:tc>
+                <a:tc>
+                  <a:txBody>
+                    <a:bodyPr/>
+                    <a:lstStyle/>
+                    <a:p>
+                      <a:pPr marL="0" algn="l" defTabSz="914400" rtl="0" eaLnBrk="1" latinLnBrk="0" hangingPunct="1"/>
+                      <a:r>
+                        <a:rPr lang="es-PA" sz="1500" kern="1200" dirty="0" smtClean="0">
+                          <a:solidFill>
+                            <a:schemeClr val="tx2"/>
+                          </a:solidFill>
+                          <a:latin typeface="Tahoma" pitchFamily="34" charset="0"/>
+                          <a:ea typeface="+mn-ea"/>
+                          <a:cs typeface="Tahoma" pitchFamily="34" charset="0"/>
+                        </a:rPr>
+                        <a:t>● WS-</a:t>
+                      </a:r>
+                      <a:r>
+                        <a:rPr lang="es-PA" sz="1500" kern="1200" dirty="0" err="1" smtClean="0">
+                          <a:solidFill>
+                            <a:schemeClr val="tx2"/>
+                          </a:solidFill>
+                          <a:latin typeface="Tahoma" pitchFamily="34" charset="0"/>
+                          <a:ea typeface="+mn-ea"/>
+                          <a:cs typeface="Tahoma" pitchFamily="34" charset="0"/>
+                        </a:rPr>
+                        <a:t>Policy</a:t>
+                      </a:r>
+                      <a:r>
+                        <a:rPr lang="es-PA" sz="1500" kern="1200" dirty="0" smtClean="0">
+                          <a:solidFill>
+                            <a:schemeClr val="tx2"/>
+                          </a:solidFill>
+                          <a:latin typeface="Tahoma" pitchFamily="34" charset="0"/>
+                          <a:ea typeface="+mn-ea"/>
+                          <a:cs typeface="Tahoma" pitchFamily="34" charset="0"/>
+                        </a:rPr>
+                        <a:t> 1.2, 1.5</a:t>
+                      </a:r>
+                    </a:p>
+                    <a:p>
+                      <a:pPr marL="0" algn="l" defTabSz="914400" rtl="0" eaLnBrk="1" latinLnBrk="0" hangingPunct="1"/>
+                      <a:r>
+                        <a:rPr lang="es-PA" sz="1500" kern="1200" dirty="0" smtClean="0">
+                          <a:solidFill>
+                            <a:schemeClr val="tx2"/>
+                          </a:solidFill>
+                          <a:latin typeface="Tahoma" pitchFamily="34" charset="0"/>
+                          <a:ea typeface="+mn-ea"/>
+                          <a:cs typeface="Tahoma" pitchFamily="34" charset="0"/>
+                        </a:rPr>
+                        <a:t>● WS-Trust 1.3</a:t>
+                      </a:r>
+                    </a:p>
+                  </a:txBody>
+                  <a:tcPr/>
+                </a:tc>
+              </a:tr>
+              <a:tr h="682642">
+                <a:tc>
+                  <a:txBody>
+                    <a:bodyPr/>
+                    <a:lstStyle/>
+                    <a:p>
+                      <a:r>
+                        <a:rPr lang="en-US" sz="1500" kern="1200" dirty="0" smtClean="0">
+                          <a:solidFill>
+                            <a:schemeClr val="tx2"/>
+                          </a:solidFill>
+                          <a:latin typeface="Tahoma" pitchFamily="34" charset="0"/>
+                          <a:ea typeface="+mn-ea"/>
+                          <a:cs typeface="Tahoma" pitchFamily="34" charset="0"/>
+                        </a:rPr>
+                        <a:t>● XKMS for integration with Tivoli® Security Policy</a:t>
+                      </a:r>
+                    </a:p>
+                    <a:p>
+                      <a:r>
+                        <a:rPr lang="en-US" sz="1500" kern="1200" dirty="0" smtClean="0">
+                          <a:solidFill>
+                            <a:schemeClr val="tx2"/>
+                          </a:solidFill>
+                          <a:latin typeface="Tahoma" pitchFamily="34" charset="0"/>
+                          <a:ea typeface="+mn-ea"/>
+                          <a:cs typeface="Tahoma" pitchFamily="34" charset="0"/>
+                        </a:rPr>
+                        <a:t>  Manager (TSPM)</a:t>
+                      </a:r>
+                      <a:endParaRPr lang="es-PA" sz="1500" kern="1200" dirty="0" smtClean="0">
+                        <a:solidFill>
+                          <a:schemeClr val="tx2"/>
+                        </a:solidFill>
+                        <a:latin typeface="Tahoma" pitchFamily="34" charset="0"/>
+                        <a:ea typeface="+mn-ea"/>
+                        <a:cs typeface="Tahoma" pitchFamily="34" charset="0"/>
+                      </a:endParaRPr>
+                    </a:p>
+                  </a:txBody>
+                  <a:tcPr/>
+                </a:tc>
+                <a:tc>
+                  <a:txBody>
+                    <a:bodyPr/>
+                    <a:lstStyle/>
+                    <a:p>
+                      <a:pPr marL="0" algn="l" defTabSz="914400" rtl="0" eaLnBrk="1" latinLnBrk="0" hangingPunct="1"/>
+                      <a:r>
+                        <a:rPr lang="es-PA" sz="1500" kern="1200" dirty="0" smtClean="0">
+                          <a:solidFill>
+                            <a:schemeClr val="tx2"/>
+                          </a:solidFill>
+                          <a:latin typeface="Tahoma" pitchFamily="34" charset="0"/>
+                          <a:ea typeface="+mn-ea"/>
+                          <a:cs typeface="Tahoma" pitchFamily="34" charset="0"/>
+                        </a:rPr>
+                        <a:t>● WS-</a:t>
+                      </a:r>
+                      <a:r>
+                        <a:rPr lang="es-PA" sz="1500" kern="1200" dirty="0" err="1" smtClean="0">
+                          <a:solidFill>
+                            <a:schemeClr val="tx2"/>
+                          </a:solidFill>
+                          <a:latin typeface="Tahoma" pitchFamily="34" charset="0"/>
+                          <a:ea typeface="+mn-ea"/>
+                          <a:cs typeface="Tahoma" pitchFamily="34" charset="0"/>
+                        </a:rPr>
+                        <a:t>Addressing</a:t>
+                      </a:r>
+                      <a:endParaRPr lang="es-PA" sz="1500" kern="1200" dirty="0" smtClean="0">
+                        <a:solidFill>
+                          <a:schemeClr val="tx2"/>
+                        </a:solidFill>
+                        <a:latin typeface="Tahoma" pitchFamily="34" charset="0"/>
+                        <a:ea typeface="+mn-ea"/>
+                        <a:cs typeface="Tahoma" pitchFamily="34" charset="0"/>
+                      </a:endParaRPr>
+                    </a:p>
+                    <a:p>
+                      <a:pPr marL="0" algn="l" defTabSz="914400" rtl="0" eaLnBrk="1" latinLnBrk="0" hangingPunct="1"/>
+                      <a:r>
+                        <a:rPr lang="es-PA" sz="1500" kern="1200" dirty="0" smtClean="0">
+                          <a:solidFill>
+                            <a:schemeClr val="tx2"/>
+                          </a:solidFill>
+                          <a:latin typeface="Tahoma" pitchFamily="34" charset="0"/>
+                          <a:ea typeface="+mn-ea"/>
+                          <a:cs typeface="Tahoma" pitchFamily="34" charset="0"/>
+                        </a:rPr>
+                        <a:t>● WS-</a:t>
+                      </a:r>
+                      <a:r>
+                        <a:rPr lang="es-PA" sz="1500" kern="1200" dirty="0" err="1" smtClean="0">
+                          <a:solidFill>
+                            <a:schemeClr val="tx2"/>
+                          </a:solidFill>
+                          <a:latin typeface="Tahoma" pitchFamily="34" charset="0"/>
+                          <a:ea typeface="+mn-ea"/>
+                          <a:cs typeface="Tahoma" pitchFamily="34" charset="0"/>
+                        </a:rPr>
+                        <a:t>Enumeration</a:t>
+                      </a:r>
+                      <a:endParaRPr lang="es-PA" sz="1500" kern="1200" dirty="0" smtClean="0">
+                        <a:solidFill>
+                          <a:schemeClr val="tx2"/>
+                        </a:solidFill>
+                        <a:latin typeface="Tahoma" pitchFamily="34" charset="0"/>
+                        <a:ea typeface="+mn-ea"/>
+                        <a:cs typeface="Tahoma" pitchFamily="34" charset="0"/>
+                      </a:endParaRPr>
+                    </a:p>
+                    <a:p>
+                      <a:pPr marL="0" algn="l" defTabSz="914400" rtl="0" eaLnBrk="1" latinLnBrk="0" hangingPunct="1"/>
+                      <a:r>
+                        <a:rPr lang="es-PA" sz="1500" kern="1200" dirty="0" smtClean="0">
+                          <a:solidFill>
+                            <a:schemeClr val="tx2"/>
+                          </a:solidFill>
+                          <a:latin typeface="Tahoma" pitchFamily="34" charset="0"/>
+                          <a:ea typeface="+mn-ea"/>
+                          <a:cs typeface="Tahoma" pitchFamily="34" charset="0"/>
+                        </a:rPr>
+                        <a:t>● SOAP </a:t>
+                      </a:r>
+                      <a:r>
+                        <a:rPr lang="es-PA" sz="1500" kern="1200" dirty="0" err="1" smtClean="0">
+                          <a:solidFill>
+                            <a:schemeClr val="tx2"/>
+                          </a:solidFill>
+                          <a:latin typeface="Tahoma" pitchFamily="34" charset="0"/>
+                          <a:ea typeface="+mn-ea"/>
+                          <a:cs typeface="Tahoma" pitchFamily="34" charset="0"/>
+                        </a:rPr>
+                        <a:t>Attachment</a:t>
+                      </a:r>
+                      <a:r>
+                        <a:rPr lang="es-PA" sz="1500" kern="1200" dirty="0" smtClean="0">
+                          <a:solidFill>
+                            <a:schemeClr val="tx2"/>
+                          </a:solidFill>
+                          <a:latin typeface="Tahoma" pitchFamily="34" charset="0"/>
+                          <a:ea typeface="+mn-ea"/>
+                          <a:cs typeface="Tahoma" pitchFamily="34" charset="0"/>
+                        </a:rPr>
+                        <a:t> </a:t>
+                      </a:r>
+                      <a:r>
+                        <a:rPr lang="es-PA" sz="1500" kern="1200" dirty="0" err="1" smtClean="0">
+                          <a:solidFill>
+                            <a:schemeClr val="tx2"/>
+                          </a:solidFill>
+                          <a:latin typeface="Tahoma" pitchFamily="34" charset="0"/>
+                          <a:ea typeface="+mn-ea"/>
+                          <a:cs typeface="Tahoma" pitchFamily="34" charset="0"/>
+                        </a:rPr>
+                        <a:t>Feature</a:t>
+                      </a:r>
+                      <a:r>
+                        <a:rPr lang="es-PA" sz="1500" kern="1200" dirty="0" smtClean="0">
+                          <a:solidFill>
+                            <a:schemeClr val="tx2"/>
+                          </a:solidFill>
+                          <a:latin typeface="Tahoma" pitchFamily="34" charset="0"/>
+                          <a:ea typeface="+mn-ea"/>
+                          <a:cs typeface="Tahoma" pitchFamily="34" charset="0"/>
+                        </a:rPr>
+                        <a:t> 1.2</a:t>
+                      </a:r>
+                    </a:p>
+                  </a:txBody>
+                  <a:tcPr/>
+                </a:tc>
+              </a:tr>
+              <a:tr h="481865">
+                <a:tc>
+                  <a:txBody>
+                    <a:bodyPr/>
+                    <a:lstStyle/>
+                    <a:p>
+                      <a:endParaRPr lang="es-PA" sz="1500" kern="1200" dirty="0" smtClean="0">
+                        <a:solidFill>
+                          <a:schemeClr val="tx2"/>
+                        </a:solidFill>
+                        <a:latin typeface="Tahoma" pitchFamily="34" charset="0"/>
+                        <a:ea typeface="+mn-ea"/>
+                        <a:cs typeface="Tahoma" pitchFamily="34" charset="0"/>
+                      </a:endParaRPr>
+                    </a:p>
+                  </a:txBody>
+                  <a:tcPr/>
+                </a:tc>
+                <a:tc>
+                  <a:txBody>
+                    <a:bodyPr/>
+                    <a:lstStyle/>
+                    <a:p>
+                      <a:pPr marL="0" algn="l" defTabSz="914400" rtl="0" eaLnBrk="1" latinLnBrk="0" hangingPunct="1"/>
+                      <a:r>
+                        <a:rPr lang="fr-FR" sz="1500" kern="1200" dirty="0" smtClean="0">
+                          <a:solidFill>
+                            <a:schemeClr val="tx2"/>
+                          </a:solidFill>
+                          <a:latin typeface="Tahoma" pitchFamily="34" charset="0"/>
+                          <a:ea typeface="+mn-ea"/>
+                          <a:cs typeface="Tahoma" pitchFamily="34" charset="0"/>
+                        </a:rPr>
+                        <a:t>● Multipurpose Internet Mail Extensions (MIME)</a:t>
+                      </a:r>
+                      <a:endParaRPr lang="es-PA" sz="1500" kern="1200" dirty="0" smtClean="0">
+                        <a:solidFill>
+                          <a:schemeClr val="tx2"/>
+                        </a:solidFill>
+                        <a:latin typeface="Tahoma" pitchFamily="34" charset="0"/>
+                        <a:ea typeface="+mn-ea"/>
+                        <a:cs typeface="Tahoma" pitchFamily="34" charset="0"/>
+                      </a:endParaRPr>
+                    </a:p>
+                  </a:txBody>
+                  <a:tcPr/>
+                </a:tc>
+              </a:tr>
+              <a:tr h="682642">
+                <a:tc>
+                  <a:txBody>
+                    <a:bodyPr/>
+                    <a:lstStyle/>
+                    <a:p>
+                      <a:endParaRPr lang="es-PA" sz="1500" kern="1200" dirty="0" smtClean="0">
+                        <a:solidFill>
+                          <a:schemeClr val="tx2"/>
+                        </a:solidFill>
+                        <a:latin typeface="Tahoma" pitchFamily="34" charset="0"/>
+                        <a:ea typeface="+mn-ea"/>
+                        <a:cs typeface="Tahoma" pitchFamily="34" charset="0"/>
+                      </a:endParaRPr>
+                    </a:p>
+                  </a:txBody>
+                  <a:tcPr/>
+                </a:tc>
+                <a:tc>
+                  <a:txBody>
+                    <a:bodyPr/>
+                    <a:lstStyle/>
+                    <a:p>
+                      <a:pPr marL="0" algn="l" defTabSz="914400" rtl="0" eaLnBrk="1" latinLnBrk="0" hangingPunct="1"/>
+                      <a:r>
+                        <a:rPr lang="en-US" sz="1500" kern="1200" dirty="0" smtClean="0">
+                          <a:solidFill>
+                            <a:schemeClr val="tx2"/>
+                          </a:solidFill>
+                          <a:latin typeface="Tahoma" pitchFamily="34" charset="0"/>
+                          <a:ea typeface="+mn-ea"/>
+                          <a:cs typeface="Tahoma" pitchFamily="34" charset="0"/>
+                        </a:rPr>
+                        <a:t>● Universal Description, Discovery and Integration (UDDI</a:t>
+                      </a:r>
+                    </a:p>
+                    <a:p>
+                      <a:pPr marL="0" algn="l" defTabSz="914400" rtl="0" eaLnBrk="1" latinLnBrk="0" hangingPunct="1"/>
+                      <a:r>
+                        <a:rPr lang="en-US" sz="1500" kern="1200" dirty="0" smtClean="0">
+                          <a:solidFill>
+                            <a:schemeClr val="tx2"/>
+                          </a:solidFill>
+                          <a:latin typeface="Tahoma" pitchFamily="34" charset="0"/>
+                          <a:ea typeface="+mn-ea"/>
+                          <a:cs typeface="Tahoma" pitchFamily="34" charset="0"/>
+                        </a:rPr>
+                        <a:t>  versions 2 and 3)</a:t>
+                      </a:r>
+                      <a:endParaRPr lang="es-PA" sz="1500" kern="1200" dirty="0" smtClean="0">
+                        <a:solidFill>
+                          <a:schemeClr val="tx2"/>
+                        </a:solidFill>
+                        <a:latin typeface="Tahoma" pitchFamily="34" charset="0"/>
+                        <a:ea typeface="+mn-ea"/>
+                        <a:cs typeface="Tahoma" pitchFamily="34" charset="0"/>
+                      </a:endParaRPr>
+                    </a:p>
+                  </a:txBody>
+                  <a:tcPr/>
+                </a:tc>
+              </a:tr>
+              <a:tr h="481865">
+                <a:tc>
+                  <a:txBody>
+                    <a:bodyPr/>
+                    <a:lstStyle/>
+                    <a:p>
+                      <a:endParaRPr lang="es-PA" sz="1500" kern="1200" dirty="0" smtClean="0">
+                        <a:solidFill>
+                          <a:schemeClr val="tx2"/>
+                        </a:solidFill>
+                        <a:latin typeface="Tahoma" pitchFamily="34" charset="0"/>
+                        <a:ea typeface="+mn-ea"/>
+                        <a:cs typeface="Tahoma" pitchFamily="34" charset="0"/>
+                      </a:endParaRPr>
+                    </a:p>
+                  </a:txBody>
+                  <a:tcPr/>
+                </a:tc>
+                <a:tc>
+                  <a:txBody>
+                    <a:bodyPr/>
+                    <a:lstStyle/>
+                    <a:p>
+                      <a:pPr marL="0" algn="l" defTabSz="914400" rtl="0" eaLnBrk="1" latinLnBrk="0" hangingPunct="1"/>
+                      <a:r>
+                        <a:rPr lang="en-US" sz="1500" kern="1200" dirty="0" smtClean="0">
+                          <a:solidFill>
+                            <a:schemeClr val="tx2"/>
+                          </a:solidFill>
+                          <a:latin typeface="Tahoma" pitchFamily="34" charset="0"/>
+                          <a:ea typeface="+mn-ea"/>
+                          <a:cs typeface="Tahoma" pitchFamily="34" charset="0"/>
+                        </a:rPr>
+                        <a:t>● </a:t>
+                      </a:r>
+                      <a:r>
+                        <a:rPr lang="en-US" sz="1500" kern="1200" dirty="0" err="1" smtClean="0">
+                          <a:solidFill>
+                            <a:schemeClr val="tx2"/>
+                          </a:solidFill>
+                          <a:latin typeface="Tahoma" pitchFamily="34" charset="0"/>
+                          <a:ea typeface="+mn-ea"/>
+                          <a:cs typeface="Tahoma" pitchFamily="34" charset="0"/>
+                        </a:rPr>
+                        <a:t>WebSphere</a:t>
+                      </a:r>
+                      <a:r>
+                        <a:rPr lang="en-US" sz="1500" kern="1200" dirty="0" smtClean="0">
+                          <a:solidFill>
+                            <a:schemeClr val="tx2"/>
+                          </a:solidFill>
+                          <a:latin typeface="Tahoma" pitchFamily="34" charset="0"/>
+                          <a:ea typeface="+mn-ea"/>
+                          <a:cs typeface="Tahoma" pitchFamily="34" charset="0"/>
+                        </a:rPr>
+                        <a:t> Service Registry and Repository (WSRR)</a:t>
+                      </a:r>
+                    </a:p>
+                  </a:txBody>
+                  <a:tcPr/>
+                </a:tc>
+              </a:tr>
+              <a:tr h="415674">
+                <a:tc>
+                  <a:txBody>
+                    <a:bodyPr/>
+                    <a:lstStyle/>
+                    <a:p>
+                      <a:endParaRPr lang="es-PA" sz="1500" kern="1200" dirty="0" err="1" smtClean="0">
+                        <a:solidFill>
+                          <a:schemeClr val="tx2"/>
+                        </a:solidFill>
+                        <a:latin typeface="Tahoma" pitchFamily="34" charset="0"/>
+                        <a:ea typeface="+mn-ea"/>
+                        <a:cs typeface="Tahoma" pitchFamily="34" charset="0"/>
+                      </a:endParaRPr>
+                    </a:p>
+                  </a:txBody>
+                  <a:tcPr/>
+                </a:tc>
+                <a:tc>
+                  <a:txBody>
+                    <a:bodyPr/>
+                    <a:lstStyle/>
+                    <a:p>
+                      <a:pPr marL="0" algn="l" defTabSz="914400" rtl="0" eaLnBrk="1" latinLnBrk="0" hangingPunct="1"/>
+                      <a:endParaRPr lang="es-PA" sz="1500" kern="1200" dirty="0" smtClean="0">
+                        <a:solidFill>
+                          <a:schemeClr val="tx2"/>
+                        </a:solidFill>
+                        <a:latin typeface="Tahoma" pitchFamily="34" charset="0"/>
+                        <a:ea typeface="+mn-ea"/>
+                        <a:cs typeface="Tahoma" pitchFamily="34" charset="0"/>
+                      </a:endParaRPr>
+                    </a:p>
+                  </a:txBody>
+                  <a:tcPr/>
+                </a:tc>
+              </a:tr>
+            </a:tbl>
+          </a:graphicData>
+        </a:graphic>
+      </p:graphicFrame>
+    </p:spTree>
+  </p:cSld>
+  <p:clrMapOvr>
+    <a:masterClrMapping/>
+  </p:clrMapOvr>
+</p:sld>
+</file>
+
+<file path=ppt/slides/slide6.xml><?xml version="1.0" encoding="utf-8"?>
+<p:sld xmlns:a="http://schemas.openxmlformats.org/drawingml/2006/main" xmlns:r="http://schemas.openxmlformats.org/officeDocument/2006/relationships" xmlns:p="http://schemas.openxmlformats.org/presentationml/2006/main">
+  <p:cSld>
+    <p:spTree>
+      <p:nvGrpSpPr>
+        <p:cNvPr id="1" name=""/>
+        <p:cNvGrpSpPr/>
+        <p:nvPr/>
+      </p:nvGrpSpPr>
+      <p:grpSpPr>
+        <a:xfrm>
+          <a:off x="0" y="0"/>
+          <a:ext cx="0" cy="0"/>
+          <a:chOff x="0" y="0"/>
+          <a:chExt cx="0" cy="0"/>
+        </a:xfrm>
+      </p:grpSpPr>
+      <p:sp>
+        <p:nvSpPr>
+          <p:cNvPr id="2" name="1 Título"/>
+          <p:cNvSpPr>
+            <a:spLocks noGrp="1"/>
+          </p:cNvSpPr>
+          <p:nvPr>
+            <p:ph type="title"/>
+          </p:nvPr>
+        </p:nvSpPr>
+        <p:spPr>
+          <a:xfrm>
+            <a:off x="285750" y="1143000"/>
+            <a:ext cx="8229600" cy="369888"/>
+          </a:xfrm>
+        </p:spPr>
+        <p:txBody>
+          <a:bodyPr/>
+          <a:lstStyle/>
+          <a:p>
+            <a:pPr>
+              <a:defRPr/>
+            </a:pPr>
+            <a:r>
+              <a:rPr lang="es-PA" dirty="0" err="1" smtClean="0">
+                <a:effectLst>
+                  <a:outerShdw blurRad="38100" dist="38100" dir="2700000" algn="tl">
+                    <a:srgbClr val="000000">
+                      <a:alpha val="43137"/>
+                    </a:srgbClr>
+                  </a:outerShdw>
+                </a:effectLst>
+              </a:rPr>
+              <a:t>Multi-Protocol</a:t>
+            </a:r>
             <a:r>
               <a:rPr lang="es-PA" dirty="0" smtClean="0">
                 <a:effectLst>
@@ -4836,7 +7134,19 @@
                   </a:outerShdw>
                 </a:effectLst>
               </a:rPr>
-              <a:t>Junta Directiva </a:t>
+              <a:t> </a:t>
+            </a:r>
+            <a:r>
+              <a:rPr lang="es-PA" dirty="0" smtClean="0">
+                <a:effectLst>
+                  <a:outerShdw blurRad="38100" dist="38100" dir="2700000" algn="tl">
+                    <a:srgbClr val="000000">
+                      <a:alpha val="43137"/>
+                    </a:srgbClr>
+                  </a:outerShdw>
+                </a:effectLst>
+              </a:rPr>
+              <a:t>Gateway</a:t>
             </a:r>
             <a:endParaRPr lang="es-PA" dirty="0">
               <a:effectLst>
@@ -4852,7 +7162,7 @@
       </p:sp>
       <p:sp>
         <p:nvSpPr>
-          <p:cNvPr id="7171" name="2 Marcador de contenido"/>
+          <p:cNvPr id="9219" name="2 Marcador de contenido"/>
           <p:cNvSpPr>
             <a:spLocks noGrp="1"/>
           </p:cNvSpPr>
@@ -4862,236 +7172,70 @@
         </p:nvSpPr>
         <p:spPr>
           <a:xfrm>
-            <a:off x="428625" y="1857375"/>
-            <a:ext cx="8181975" cy="4429125"/>
+            <a:off x="152400" y="1643063"/>
+            <a:ext cx="8491538" cy="785805"/>
           </a:xfrm>
         </p:spPr>
         <p:txBody>
           <a:bodyPr/>
           <a:lstStyle/>
           <a:p>
-            <a:pPr>
-              <a:buFont typeface="Arial" pitchFamily="34" charset="0"/>
-              <a:buNone/>
-            </a:pPr>
-            <a:r>
-              <a:rPr lang="es-PA" sz="1600" b="1" smtClean="0">
-                <a:latin typeface="Tahoma" pitchFamily="34" charset="0"/>
-                <a:cs typeface="Tahoma" pitchFamily="34" charset="0"/>
-              </a:rPr>
-              <a:t>   Federico Humbert                                                       Vicky de Cordero</a:t>
-            </a:r>
-            <a:endParaRPr lang="es-PA" sz="1600" smtClean="0">
-              <a:latin typeface="Tahoma" pitchFamily="34" charset="0"/>
-              <a:cs typeface="Tahoma" pitchFamily="34" charset="0"/>
-            </a:endParaRPr>
-          </a:p>
-          <a:p>
-            <a:pPr>
-              <a:buFont typeface="Arial" pitchFamily="34" charset="0"/>
-              <a:buNone/>
-            </a:pPr>
-            <a:r>
-              <a:rPr lang="es-PA" sz="1600" smtClean="0">
-                <a:latin typeface="Tahoma" pitchFamily="34" charset="0"/>
-                <a:cs typeface="Tahoma" pitchFamily="34" charset="0"/>
-              </a:rPr>
-              <a:t>   Director – Presidente                                              Directora - Vicepresidenta</a:t>
-            </a:r>
-            <a:r>
-              <a:rPr lang="es-PA" sz="1600" b="1" smtClean="0">
-                <a:latin typeface="Tahoma" pitchFamily="34" charset="0"/>
-                <a:cs typeface="Tahoma" pitchFamily="34" charset="0"/>
-              </a:rPr>
-              <a:t>    </a:t>
-            </a:r>
-          </a:p>
-          <a:p>
-            <a:pPr>
-              <a:buFont typeface="Arial" pitchFamily="34" charset="0"/>
-              <a:buNone/>
-            </a:pPr>
-            <a:endParaRPr lang="es-PA" sz="1600" b="1" smtClean="0">
-              <a:latin typeface="Tahoma" pitchFamily="34" charset="0"/>
-              <a:cs typeface="Tahoma" pitchFamily="34" charset="0"/>
-            </a:endParaRPr>
-          </a:p>
-          <a:p>
-            <a:pPr>
-              <a:buFont typeface="Arial" pitchFamily="34" charset="0"/>
-              <a:buNone/>
-            </a:pPr>
-            <a:endParaRPr lang="es-PA" sz="1600" b="1" smtClean="0">
-              <a:latin typeface="Tahoma" pitchFamily="34" charset="0"/>
-              <a:cs typeface="Tahoma" pitchFamily="34" charset="0"/>
-            </a:endParaRPr>
-          </a:p>
-          <a:p>
-            <a:pPr>
-              <a:buFont typeface="Arial" pitchFamily="34" charset="0"/>
-              <a:buNone/>
-            </a:pPr>
-            <a:r>
-              <a:rPr lang="es-PA" sz="1600" b="1" smtClean="0">
-                <a:latin typeface="Tahoma" pitchFamily="34" charset="0"/>
-                <a:cs typeface="Tahoma" pitchFamily="34" charset="0"/>
-              </a:rPr>
-              <a:t> Michele de Hincapié                                                        Felipe Motta Jr.</a:t>
-            </a:r>
-            <a:r>
-              <a:rPr lang="es-PA" sz="1600" smtClean="0">
+            <a:pPr algn="just"/>
+            <a:r>
+              <a:rPr lang="es-PA" sz="1600" dirty="0" smtClean="0">
                 <a:latin typeface="Tahoma" pitchFamily="34" charset="0"/>
                 <a:cs typeface="Tahoma" pitchFamily="34" charset="0"/>
               </a:rPr>
               <a:t> </a:t>
             </a:r>
-            <a:endParaRPr lang="es-PA" sz="1600" b="1" smtClean="0">
+            <a:r>
+              <a:rPr lang="es-PA" sz="1600" dirty="0" smtClean="0">
+                <a:latin typeface="Tahoma" pitchFamily="34" charset="0"/>
+                <a:cs typeface="Tahoma" pitchFamily="34" charset="0"/>
+              </a:rPr>
+              <a:t>Esto significa que el equipo puede recibir </a:t>
+            </a:r>
+            <a:r>
+              <a:rPr lang="es-PA" sz="1600" dirty="0" smtClean="0"/>
+              <a:t>puede aceptar mensajes originados por el cliente en una variedad de </a:t>
+            </a:r>
+            <a:r>
+              <a:rPr lang="es-PA" sz="1600" dirty="0" smtClean="0"/>
+              <a:t>protocolos, los protocolos mas utilizados.</a:t>
+            </a:r>
+            <a:endParaRPr lang="es-PA" sz="1600" dirty="0" smtClean="0">
               <a:latin typeface="Tahoma" pitchFamily="34" charset="0"/>
               <a:cs typeface="Tahoma" pitchFamily="34" charset="0"/>
             </a:endParaRPr>
           </a:p>
           <a:p>
-            <a:pPr>
+            <a:pPr algn="just">
               <a:buFont typeface="Arial" pitchFamily="34" charset="0"/>
               <a:buNone/>
             </a:pPr>
-            <a:r>
-              <a:rPr lang="es-PA" sz="1600" smtClean="0">
-                <a:latin typeface="Tahoma" pitchFamily="34" charset="0"/>
-                <a:cs typeface="Tahoma" pitchFamily="34" charset="0"/>
-              </a:rPr>
-              <a:t>  Directora – Secretaria                                                   </a:t>
-            </a:r>
-            <a:r>
-              <a:rPr lang="es-PA" sz="1600" b="1" smtClean="0">
-                <a:latin typeface="Tahoma" pitchFamily="34" charset="0"/>
-                <a:cs typeface="Tahoma" pitchFamily="34" charset="0"/>
-              </a:rPr>
-              <a:t> </a:t>
-            </a:r>
-            <a:r>
-              <a:rPr lang="es-PA" sz="1600" smtClean="0">
-                <a:latin typeface="Tahoma" pitchFamily="34" charset="0"/>
-                <a:cs typeface="Tahoma" pitchFamily="34" charset="0"/>
-              </a:rPr>
-              <a:t>Director – Tesorero</a:t>
-            </a:r>
-          </a:p>
-          <a:p>
-            <a:pPr>
-              <a:buFont typeface="Arial" pitchFamily="34" charset="0"/>
-              <a:buNone/>
-            </a:pPr>
-            <a:endParaRPr lang="es-PA" sz="1600" b="1" smtClean="0">
+            <a:endParaRPr lang="es-PA" sz="1600" dirty="0" smtClean="0">
               <a:latin typeface="Tahoma" pitchFamily="34" charset="0"/>
               <a:cs typeface="Tahoma" pitchFamily="34" charset="0"/>
             </a:endParaRPr>
           </a:p>
           <a:p>
-            <a:pPr>
-              <a:buFont typeface="Arial" pitchFamily="34" charset="0"/>
-              <a:buNone/>
-            </a:pPr>
-            <a:r>
-              <a:rPr lang="es-PA" sz="1600" b="1" smtClean="0">
-                <a:latin typeface="Tahoma" pitchFamily="34" charset="0"/>
-                <a:cs typeface="Tahoma" pitchFamily="34" charset="0"/>
-              </a:rPr>
-              <a:t>                              </a:t>
-            </a:r>
-          </a:p>
-          <a:p>
-            <a:pPr>
-              <a:buFont typeface="Arial" pitchFamily="34" charset="0"/>
-              <a:buNone/>
-            </a:pPr>
-            <a:r>
-              <a:rPr lang="es-PA" sz="1600" b="1" smtClean="0">
-                <a:latin typeface="Tahoma" pitchFamily="34" charset="0"/>
-                <a:cs typeface="Tahoma" pitchFamily="34" charset="0"/>
-              </a:rPr>
-              <a:t> Layla Koroneos de Humbert                                  Linky Fidanque de Motta</a:t>
-            </a:r>
-          </a:p>
-          <a:p>
-            <a:pPr algn="ctr">
-              <a:buFont typeface="Arial" pitchFamily="34" charset="0"/>
-              <a:buNone/>
-            </a:pPr>
-            <a:r>
-              <a:rPr lang="es-PA" sz="1600" b="1" smtClean="0">
-                <a:latin typeface="Tahoma" pitchFamily="34" charset="0"/>
-                <a:cs typeface="Tahoma" pitchFamily="34" charset="0"/>
-              </a:rPr>
-              <a:t>         </a:t>
-            </a:r>
-            <a:r>
-              <a:rPr lang="es-PA" sz="1600" smtClean="0">
-                <a:latin typeface="Tahoma" pitchFamily="34" charset="0"/>
-                <a:cs typeface="Tahoma" pitchFamily="34" charset="0"/>
-              </a:rPr>
-              <a:t>Directora </a:t>
-            </a:r>
-            <a:r>
-              <a:rPr lang="es-PA" sz="1600" b="1" smtClean="0">
-                <a:latin typeface="Tahoma" pitchFamily="34" charset="0"/>
-                <a:cs typeface="Tahoma" pitchFamily="34" charset="0"/>
-              </a:rPr>
-              <a:t>                       </a:t>
-            </a:r>
-            <a:r>
-              <a:rPr lang="es-PA" sz="1600" smtClean="0">
-                <a:latin typeface="Tahoma" pitchFamily="34" charset="0"/>
-                <a:cs typeface="Tahoma" pitchFamily="34" charset="0"/>
-              </a:rPr>
-              <a:t>                                              Directora           </a:t>
-            </a:r>
-          </a:p>
-          <a:p>
-            <a:pPr algn="ctr">
-              <a:buFont typeface="Arial" pitchFamily="34" charset="0"/>
-              <a:buNone/>
-            </a:pPr>
-            <a:endParaRPr lang="es-PA" sz="1600" b="1" smtClean="0">
+            <a:endParaRPr lang="es-PA" dirty="0" smtClean="0">
               <a:latin typeface="Tahoma" pitchFamily="34" charset="0"/>
               <a:cs typeface="Tahoma" pitchFamily="34" charset="0"/>
             </a:endParaRPr>
           </a:p>
           <a:p>
-            <a:pPr algn="ctr">
-              <a:buFont typeface="Arial" pitchFamily="34" charset="0"/>
-              <a:buNone/>
-            </a:pPr>
-            <a:r>
-              <a:rPr lang="es-PA" sz="1600" b="1" smtClean="0">
-                <a:latin typeface="Tahoma" pitchFamily="34" charset="0"/>
-                <a:cs typeface="Tahoma" pitchFamily="34" charset="0"/>
-              </a:rPr>
-              <a:t>Julie Lince de González Revilla </a:t>
-            </a:r>
-            <a:endParaRPr lang="es-PA" sz="1600" smtClean="0">
-              <a:latin typeface="Tahoma" pitchFamily="34" charset="0"/>
-              <a:cs typeface="Tahoma" pitchFamily="34" charset="0"/>
-            </a:endParaRPr>
-          </a:p>
-          <a:p>
-            <a:pPr algn="ctr">
-              <a:buFont typeface="Arial" pitchFamily="34" charset="0"/>
-              <a:buNone/>
-            </a:pPr>
-            <a:r>
-              <a:rPr lang="es-PA" sz="1600" smtClean="0">
-                <a:latin typeface="Tahoma" pitchFamily="34" charset="0"/>
-                <a:cs typeface="Tahoma" pitchFamily="34" charset="0"/>
-              </a:rPr>
-              <a:t>Directora</a:t>
-            </a:r>
+            <a:r>
+              <a:rPr lang="es-PA" dirty="0" smtClean="0"/>
+              <a:t>https://www.ibm.com/support/knowledgecenter/SS9H2Y_7.1.0/com.ibm.dp.doc/mpgw_wizard.html</a:t>
+            </a:r>
+            <a:endParaRPr lang="es-PA" dirty="0" smtClean="0"/>
           </a:p>
         </p:txBody>
       </p:sp>
       <p:pic>
         <p:nvPicPr>
-          <p:cNvPr id="7172" name="Picture 4" descr="http://miredestrella/misaplicaciones/plantillascorporativas/Banco%20de%20Imgenes/Logotipos/fundacion.jpg"/>
+          <p:cNvPr id="9220" name="Picture 4" descr="http://miredestrella/misaplicaciones/plantillascorporativas/Banco%20de%20Imgenes/Logotipos/fundacion.jpg"/>
           <p:cNvPicPr>
             <a:picLocks noChangeAspect="1" noChangeArrowheads="1"/>
           </p:cNvPicPr>
@@ -5129,7 +7273,7 @@
 </p:sld>
 </file>
 
-<file path=ppt/slides/slide5.xml><?xml version="1.0" encoding="utf-8"?>
+<file path=ppt/slides/slide7.xml><?xml version="1.0" encoding="utf-8"?>
 <p:sld xmlns:a="http://schemas.openxmlformats.org/drawingml/2006/main" xmlns:r="http://schemas.openxmlformats.org/officeDocument/2006/relationships" xmlns:p="http://schemas.openxmlformats.org/presentationml/2006/main">
   <p:cSld>
     <p:spTree>
@@ -5246,7 +7390,7 @@
 </p:sld>
 </file>
 
-<file path=ppt/slides/slide6.xml><?xml version="1.0" encoding="utf-8"?>
+<file path=ppt/slides/slide8.xml><?xml version="1.0" encoding="utf-8"?>
 <p:sld xmlns:a="http://schemas.openxmlformats.org/drawingml/2006/main" xmlns:r="http://schemas.openxmlformats.org/officeDocument/2006/relationships" xmlns:p="http://schemas.openxmlformats.org/presentationml/2006/main">
   <p:cSld>
     <p:spTree>
@@ -5351,7 +7495,7 @@
 </p:sld>
 </file>
 
-<file path=ppt/slides/slide7.xml><?xml version="1.0" encoding="utf-8"?>
+<file path=ppt/slides/slide9.xml><?xml version="1.0" encoding="utf-8"?>
 <p:sld xmlns:a="http://schemas.openxmlformats.org/drawingml/2006/main" xmlns:r="http://schemas.openxmlformats.org/officeDocument/2006/relationships" xmlns:p="http://schemas.openxmlformats.org/presentationml/2006/main">
   <p:cSld>
     <p:spTree>
@@ -5559,334 +7703,6 @@
           </a:ln>
         </p:spPr>
       </p:pic>
-    </p:spTree>
-  </p:cSld>
-  <p:clrMapOvr>
-    <a:masterClrMapping/>
-  </p:clrMapOvr>
-</p:sld>
-</file>
-
-<file path=ppt/slides/slide8.xml><?xml version="1.0" encoding="utf-8"?>
-<p:sld xmlns:a="http://schemas.openxmlformats.org/drawingml/2006/main" xmlns:r="http://schemas.openxmlformats.org/officeDocument/2006/relationships" xmlns:p="http://schemas.openxmlformats.org/presentationml/2006/main">
-  <p:cSld>
-    <p:spTree>
-      <p:nvGrpSpPr>
-        <p:cNvPr id="1" name=""/>
-        <p:cNvGrpSpPr/>
-        <p:nvPr/>
-      </p:nvGrpSpPr>
-      <p:grpSpPr>
-        <a:xfrm>
-          <a:off x="0" y="0"/>
-          <a:ext cx="0" cy="0"/>
-          <a:chOff x="0" y="0"/>
-          <a:chExt cx="0" cy="0"/>
-        </a:xfrm>
-      </p:grpSpPr>
-      <p:sp>
-        <p:nvSpPr>
-          <p:cNvPr id="2" name="1 Título"/>
-          <p:cNvSpPr>
-            <a:spLocks noGrp="1"/>
-          </p:cNvSpPr>
-          <p:nvPr>
-            <p:ph type="title"/>
-          </p:nvPr>
-        </p:nvSpPr>
-        <p:spPr>
-          <a:xfrm>
-            <a:off x="271463" y="1130300"/>
-            <a:ext cx="8229600" cy="369888"/>
-          </a:xfrm>
-        </p:spPr>
-        <p:txBody>
-          <a:bodyPr/>
-          <a:lstStyle/>
-          <a:p>
-            <a:pPr>
-              <a:defRPr/>
-            </a:pPr>
-            <a:r>
-              <a:rPr lang="es-PA" dirty="0" smtClean="0">
-                <a:effectLst>
-                  <a:outerShdw blurRad="38100" dist="38100" dir="2700000" algn="tl">
-                    <a:srgbClr val="000000">
-                      <a:alpha val="43137"/>
-                    </a:srgbClr>
-                  </a:outerShdw>
-                </a:effectLst>
-              </a:rPr>
-              <a:t>Becas de Excelencia Sus Buenos Vecinos</a:t>
-            </a:r>
-            <a:endParaRPr lang="es-PA" dirty="0">
-              <a:effectLst>
-                <a:outerShdw blurRad="38100" dist="38100" dir="2700000" algn="tl">
-                  <a:srgbClr val="000000">
-                    <a:alpha val="43137"/>
-                  </a:srgbClr>
-                </a:outerShdw>
-              </a:effectLst>
-            </a:endParaRPr>
-          </a:p>
-        </p:txBody>
-      </p:sp>
-      <p:sp>
-        <p:nvSpPr>
-          <p:cNvPr id="10243" name="2 Marcador de contenido"/>
-          <p:cNvSpPr>
-            <a:spLocks noGrp="1"/>
-          </p:cNvSpPr>
-          <p:nvPr>
-            <p:ph idx="1"/>
-          </p:nvPr>
-        </p:nvSpPr>
-        <p:spPr>
-          <a:xfrm>
-            <a:off x="142875" y="1643063"/>
-            <a:ext cx="8715375" cy="3643312"/>
-          </a:xfrm>
-        </p:spPr>
-        <p:txBody>
-          <a:bodyPr/>
-          <a:lstStyle/>
-          <a:p>
-            <a:pPr algn="just"/>
-            <a:r>
-              <a:rPr lang="es-PA" sz="1600" smtClean="0">
-                <a:latin typeface="Tahoma" pitchFamily="34" charset="0"/>
-                <a:cs typeface="Tahoma" pitchFamily="34" charset="0"/>
-              </a:rPr>
-              <a:t>Primer programa patrocinado unilateralmente por la Fundación y tiene como meta brindarle la oportunidad a jóvenes panameños de sobresalir académicamente. </a:t>
-            </a:r>
-          </a:p>
-          <a:p>
-            <a:pPr algn="just"/>
-            <a:endParaRPr lang="es-PA" sz="1600" smtClean="0">
-              <a:latin typeface="Tahoma" pitchFamily="34" charset="0"/>
-              <a:cs typeface="Tahoma" pitchFamily="34" charset="0"/>
-            </a:endParaRPr>
-          </a:p>
-          <a:p>
-            <a:pPr algn="just"/>
-            <a:r>
-              <a:rPr lang="es-PA" sz="1600" smtClean="0">
-                <a:latin typeface="Tahoma" pitchFamily="34" charset="0"/>
-                <a:cs typeface="Tahoma" pitchFamily="34" charset="0"/>
-              </a:rPr>
-              <a:t>Las becas son otorgadas a jóvenes, de escuelas públicas, que estén por ingresar a secundaria y demuestren estar entre los primeros tres lugares de sus promociones. Adicional a las excelentes calificaciones, los jóvenes deben estar dispuestos a esforzarse por mejorar su educación y manifestar una buena conducta y disciplina. </a:t>
-            </a:r>
-          </a:p>
-          <a:p>
-            <a:pPr algn="just"/>
-            <a:endParaRPr lang="es-PA" sz="1600" smtClean="0">
-              <a:latin typeface="Tahoma" pitchFamily="34" charset="0"/>
-              <a:cs typeface="Tahoma" pitchFamily="34" charset="0"/>
-            </a:endParaRPr>
-          </a:p>
-          <a:p>
-            <a:pPr algn="just"/>
-            <a:r>
-              <a:rPr lang="es-PA" sz="1600" smtClean="0">
-                <a:latin typeface="Tahoma" pitchFamily="34" charset="0"/>
-                <a:cs typeface="Tahoma" pitchFamily="34" charset="0"/>
-              </a:rPr>
-              <a:t>La Fundación se hace cargo de matrículas, mensualidades escolares, cursos de nivelación, textos y materiales escolares, uniformes y cuotas obligatorias para actividades del colegio. Aunado a esto, los jóvenes reciben cursos y charlas complementarias para su formación al igual de un seguimiento del desempeño de los mismos a lo largo de sus estudios secundarios. </a:t>
-            </a:r>
-          </a:p>
-          <a:p>
-            <a:endParaRPr lang="es-PA" smtClean="0"/>
-          </a:p>
-        </p:txBody>
-      </p:sp>
-      <p:pic>
-        <p:nvPicPr>
-          <p:cNvPr id="10244" name="Picture 4" descr="http://miredestrella/misaplicaciones/plantillascorporativas/Banco%20de%20Imgenes/Logotipos/fundacion.jpg"/>
-          <p:cNvPicPr>
-            <a:picLocks noChangeAspect="1" noChangeArrowheads="1"/>
-          </p:cNvPicPr>
-          <p:nvPr/>
-        </p:nvPicPr>
-        <p:blipFill>
-          <a:blip r:embed="rId2"/>
-          <a:srcRect/>
-          <a:stretch>
-            <a:fillRect/>
-          </a:stretch>
-        </p:blipFill>
-        <p:spPr bwMode="auto">
-          <a:xfrm>
-            <a:off x="4286250" y="203200"/>
-            <a:ext cx="2500313" cy="654050"/>
-          </a:xfrm>
-          <a:prstGeom prst="rect">
-            <a:avLst/>
-          </a:prstGeom>
-          <a:noFill/>
-          <a:ln w="9525">
-            <a:noFill/>
-            <a:miter lim="800000"/>
-            <a:headEnd/>
-            <a:tailEnd/>
-          </a:ln>
-        </p:spPr>
-      </p:pic>
-      <p:sp>
-        <p:nvSpPr>
-          <p:cNvPr id="10245" name="4 CuadroTexto"/>
-          <p:cNvSpPr txBox="1">
-            <a:spLocks noChangeArrowheads="1"/>
-          </p:cNvSpPr>
-          <p:nvPr/>
-        </p:nvSpPr>
-        <p:spPr bwMode="auto">
-          <a:xfrm>
-            <a:off x="428625" y="5334000"/>
-            <a:ext cx="8286750" cy="738188"/>
-          </a:xfrm>
-          <a:prstGeom prst="rect">
-            <a:avLst/>
-          </a:prstGeom>
-          <a:noFill/>
-          <a:ln w="9525">
-            <a:noFill/>
-            <a:miter lim="800000"/>
-            <a:headEnd/>
-            <a:tailEnd/>
-          </a:ln>
-        </p:spPr>
-        <p:txBody>
-          <a:bodyPr>
-            <a:spAutoFit/>
-          </a:bodyPr>
-          <a:lstStyle/>
-          <a:p>
-            <a:r>
-              <a:rPr lang="es-PA" sz="1400" i="1">
-                <a:solidFill>
-                  <a:srgbClr val="002060"/>
-                </a:solidFill>
-                <a:latin typeface="Tahoma" pitchFamily="34" charset="0"/>
-                <a:cs typeface="Tahoma" pitchFamily="34" charset="0"/>
-              </a:rPr>
-              <a:t>“ Estoy muy contenta de esta oportunidad y orgullosa de mi misma”</a:t>
-            </a:r>
-            <a:r>
-              <a:rPr lang="es-PA" sz="1400">
-                <a:solidFill>
-                  <a:srgbClr val="002060"/>
-                </a:solidFill>
-                <a:latin typeface="Tahoma" pitchFamily="34" charset="0"/>
-                <a:cs typeface="Tahoma" pitchFamily="34" charset="0"/>
-              </a:rPr>
-              <a:t> - </a:t>
-            </a:r>
-            <a:r>
-              <a:rPr lang="es-PA" sz="1400" b="1">
-                <a:solidFill>
-                  <a:srgbClr val="002060"/>
-                </a:solidFill>
-                <a:latin typeface="Tahoma" pitchFamily="34" charset="0"/>
-                <a:cs typeface="Tahoma" pitchFamily="34" charset="0"/>
-              </a:rPr>
-              <a:t>Yelizbeth Graciela Vega Lee</a:t>
-            </a:r>
-          </a:p>
-          <a:p>
-            <a:r>
-              <a:rPr lang="es-PA" sz="1400" b="1">
-                <a:solidFill>
-                  <a:srgbClr val="002060"/>
-                </a:solidFill>
-                <a:latin typeface="Tahoma" pitchFamily="34" charset="0"/>
-                <a:cs typeface="Tahoma" pitchFamily="34" charset="0"/>
-              </a:rPr>
-              <a:t> </a:t>
-            </a:r>
-          </a:p>
-          <a:p>
-            <a:endParaRPr lang="es-PA" sz="1400"/>
-          </a:p>
-        </p:txBody>
-      </p:sp>
-      <p:sp>
-        <p:nvSpPr>
-          <p:cNvPr id="10246" name="11 CuadroTexto"/>
-          <p:cNvSpPr txBox="1">
-            <a:spLocks noChangeArrowheads="1"/>
-          </p:cNvSpPr>
-          <p:nvPr/>
-        </p:nvSpPr>
-        <p:spPr bwMode="auto">
-          <a:xfrm>
-            <a:off x="428625" y="5715000"/>
-            <a:ext cx="7929563" cy="892175"/>
-          </a:xfrm>
-          <a:prstGeom prst="rect">
-            <a:avLst/>
-          </a:prstGeom>
-          <a:noFill/>
-          <a:ln w="9525">
-            <a:noFill/>
-            <a:miter lim="800000"/>
-            <a:headEnd/>
-            <a:tailEnd/>
-          </a:ln>
-        </p:spPr>
-        <p:txBody>
-          <a:bodyPr>
-            <a:spAutoFit/>
-          </a:bodyPr>
-          <a:lstStyle/>
-          <a:p>
-            <a:r>
-              <a:rPr lang="es-PA" sz="1400" i="1">
-                <a:solidFill>
-                  <a:srgbClr val="002060"/>
-                </a:solidFill>
-                <a:latin typeface="Tahoma" pitchFamily="34" charset="0"/>
-                <a:cs typeface="Tahoma" pitchFamily="34" charset="0"/>
-              </a:rPr>
-              <a:t>“ Me siento nervioso pero es algo que voy a afrontar porque es una bendición que Dios nos dio   </a:t>
-            </a:r>
-          </a:p>
-          <a:p>
-            <a:r>
-              <a:rPr lang="es-PA" sz="1400" i="1">
-                <a:solidFill>
-                  <a:srgbClr val="002060"/>
-                </a:solidFill>
-                <a:latin typeface="Tahoma" pitchFamily="34" charset="0"/>
-                <a:cs typeface="Tahoma" pitchFamily="34" charset="0"/>
-              </a:rPr>
-              <a:t>  para ser alguien”</a:t>
-            </a:r>
-            <a:r>
-              <a:rPr lang="es-PA" sz="1400">
-                <a:solidFill>
-                  <a:srgbClr val="002060"/>
-                </a:solidFill>
-                <a:latin typeface="Tahoma" pitchFamily="34" charset="0"/>
-                <a:cs typeface="Tahoma" pitchFamily="34" charset="0"/>
-              </a:rPr>
-              <a:t>  – </a:t>
-            </a:r>
-            <a:r>
-              <a:rPr lang="es-PA" sz="1400" b="1">
-                <a:solidFill>
-                  <a:srgbClr val="002060"/>
-                </a:solidFill>
-                <a:latin typeface="Tahoma" pitchFamily="34" charset="0"/>
-                <a:cs typeface="Tahoma" pitchFamily="34" charset="0"/>
-              </a:rPr>
-              <a:t>César Ortíz</a:t>
-            </a:r>
-          </a:p>
-          <a:p>
-            <a:endParaRPr lang="es-PA"/>
-          </a:p>
-        </p:txBody>
-      </p:sp>
     </p:spTree>
   </p:cSld>
   <p:clrMapOvr>
@@ -6694,33 +8510,6 @@
 </file>
 
 <file path=customXml/item1.xml><?xml version="1.0" encoding="utf-8"?>
-<?mso-contentType ?>
-<rca:RCAuthoringProperties xmlns:rca="urn:sharePointPublishingRcaProperties">
-  <rca:Converter rca:guid="6dfdc5b4-2a28-4a06-b0c6-ad3901e3a807">
-    <rca:property rca:type="InheritParentSettings">False</rca:property>
-    <rca:property rca:type="SelectedPageLayout">23</rca:property>
-    <rca:property rca:type="SelectedPageField">f55c4d88-1f2e-4ad9-aaa8-819af4ee7ee8</rca:property>
-    <rca:property rca:type="SelectedStylesField">00000000-0000-0000-0000-000000000000</rca:property>
-    <rca:property rca:type="CreatePageWithSourceDocument">True</rca:property>
-    <rca:property rca:type="AllowChangeLocationConfig">True</rca:property>
-    <rca:property rca:type="ConfiguredPageLocation">http://prubclmoss0:2797</rca:property>
-    <rca:property rca:type="CreateSynchronously">True</rca:property>
-    <rca:property rca:type="AllowChangeProcessingConfig">True</rca:property>
-    <rca:property rca:type="ConverterSpecificSettings"/>
-  </rca:Converter>
-</rca:RCAuthoringProperties>
-</file>
-
-<file path=customXml/item2.xml><?xml version="1.0" encoding="utf-8"?>
-<?mso-contentType ?>
-<FormTemplates xmlns="http://schemas.microsoft.com/sharepoint/v3/contenttype/forms">
-  <Display>DocumentLibraryForm</Display>
-  <Edit>DocumentLibraryForm</Edit>
-  <New>DocumentLibraryForm</New>
-</FormTemplates>
-</file>
-
-<file path=customXml/item3.xml><?xml version="1.0" encoding="utf-8"?>
 <ct:contentTypeSchema xmlns:ct="http://schemas.microsoft.com/office/2006/metadata/contentType" xmlns:ma="http://schemas.microsoft.com/office/2006/metadata/properties/metaAttributes" ct:_="" ma:_="" ma:contentTypeName="Documento" ma:contentTypeID="0x010100F55B46193E4E1A4E8FF66708F370BA1F" ma:contentTypeVersion="0" ma:contentTypeDescription="Crear nuevo documento." ma:contentTypeScope="" ma:versionID="9ba71ec18236fd1f48370269ec017a78">
   <xsd:schema xmlns:xsd="http://www.w3.org/2001/XMLSchema" xmlns:p="http://schemas.microsoft.com/office/2006/metadata/properties" targetNamespace="http://schemas.microsoft.com/office/2006/metadata/properties" ma:root="true" ma:fieldsID="b004d877ca112f136821ba8115f64728">
     <xsd:element name="properties">
@@ -6769,33 +8558,44 @@
 </ct:contentTypeSchema>
 </file>
 
-<file path=customXml/item4.xml><?xml version="1.0" encoding="utf-8"?>
-<LongProperties xmlns="http://schemas.microsoft.com/office/2006/metadata/longProperties"/>
+<file path=customXml/item2.xml><?xml version="1.0" encoding="utf-8"?>
+<?mso-contentType ?>
+<FormTemplates xmlns="http://schemas.microsoft.com/sharepoint/v3/contenttype/forms">
+  <Display>DocumentLibraryForm</Display>
+  <Edit>DocumentLibraryForm</Edit>
+  <New>DocumentLibraryForm</New>
+</FormTemplates>
 </file>
 
-<file path=customXml/item5.xml><?xml version="1.0" encoding="utf-8"?>
+<file path=customXml/item3.xml><?xml version="1.0" encoding="utf-8"?>
+<?mso-contentType ?>
+<rca:RCAuthoringProperties xmlns:rca="urn:sharePointPublishingRcaProperties">
+  <rca:Converter rca:guid="6dfdc5b4-2a28-4a06-b0c6-ad3901e3a807">
+    <rca:property rca:type="InheritParentSettings">False</rca:property>
+    <rca:property rca:type="SelectedPageLayout">23</rca:property>
+    <rca:property rca:type="SelectedPageField">f55c4d88-1f2e-4ad9-aaa8-819af4ee7ee8</rca:property>
+    <rca:property rca:type="SelectedStylesField">00000000-0000-0000-0000-000000000000</rca:property>
+    <rca:property rca:type="CreatePageWithSourceDocument">True</rca:property>
+    <rca:property rca:type="AllowChangeLocationConfig">True</rca:property>
+    <rca:property rca:type="ConfiguredPageLocation">http://prubclmoss0:2797</rca:property>
+    <rca:property rca:type="CreateSynchronously">True</rca:property>
+    <rca:property rca:type="AllowChangeProcessingConfig">True</rca:property>
+    <rca:property rca:type="ConverterSpecificSettings"/>
+  </rca:Converter>
+</rca:RCAuthoringProperties>
+</file>
+
+<file path=customXml/item4.xml><?xml version="1.0" encoding="utf-8"?>
 <p:properties xmlns:p="http://schemas.microsoft.com/office/2006/metadata/properties" xmlns:xsi="http://www.w3.org/2001/XMLSchema-instance">
   <documentManagement/>
 </p:properties>
 </file>
 
-<file path=customXml/itemProps1.xml><?xml version="1.0" encoding="utf-8"?>
-<ds:datastoreItem xmlns:ds="http://schemas.openxmlformats.org/officeDocument/2006/customXml" ds:itemID="{ACA7730D-4C00-4D66-9E3A-73CB1AC85D04}">
-  <ds:schemaRefs>
-    <ds:schemaRef ds:uri="urn:sharePointPublishingRcaProperties"/>
-  </ds:schemaRefs>
-</ds:datastoreItem>
+<file path=customXml/item5.xml><?xml version="1.0" encoding="utf-8"?>
+<LongProperties xmlns="http://schemas.microsoft.com/office/2006/metadata/longProperties"/>
 </file>
 
-<file path=customXml/itemProps2.xml><?xml version="1.0" encoding="utf-8"?>
-<ds:datastoreItem xmlns:ds="http://schemas.openxmlformats.org/officeDocument/2006/customXml" ds:itemID="{22CE2F0F-0111-496F-AA85-D7BF01C2996D}">
-  <ds:schemaRefs>
-    <ds:schemaRef ds:uri="http://schemas.microsoft.com/sharepoint/v3/contenttype/forms"/>
-  </ds:schemaRefs>
-</ds:datastoreItem>
-</file>
-
-<file path=customXml/itemProps3.xml><?xml version="1.0" encoding="utf-8"?>
+<file path=customXml/itemProps1.xml><?xml version="1.0" encoding="utf-8"?>
 <ds:datastoreItem xmlns:ds="http://schemas.openxmlformats.org/officeDocument/2006/customXml" ds:itemID="{B9C73E26-966D-4190-B7BB-6A59DA9898D2}">
   <ds:schemaRefs>
     <ds:schemaRef ds:uri="http://schemas.microsoft.com/office/2006/metadata/contentType"/>
@@ -6810,18 +8610,34 @@
 </ds:datastoreItem>
 </file>
 
+<file path=customXml/itemProps2.xml><?xml version="1.0" encoding="utf-8"?>
+<ds:datastoreItem xmlns:ds="http://schemas.openxmlformats.org/officeDocument/2006/customXml" ds:itemID="{22CE2F0F-0111-496F-AA85-D7BF01C2996D}">
+  <ds:schemaRefs>
+    <ds:schemaRef ds:uri="http://schemas.microsoft.com/sharepoint/v3/contenttype/forms"/>
+  </ds:schemaRefs>
+</ds:datastoreItem>
+</file>
+
+<file path=customXml/itemProps3.xml><?xml version="1.0" encoding="utf-8"?>
+<ds:datastoreItem xmlns:ds="http://schemas.openxmlformats.org/officeDocument/2006/customXml" ds:itemID="{ACA7730D-4C00-4D66-9E3A-73CB1AC85D04}">
+  <ds:schemaRefs>
+    <ds:schemaRef ds:uri="urn:sharePointPublishingRcaProperties"/>
+  </ds:schemaRefs>
+</ds:datastoreItem>
+</file>
+
 <file path=customXml/itemProps4.xml><?xml version="1.0" encoding="utf-8"?>
+<ds:datastoreItem xmlns:ds="http://schemas.openxmlformats.org/officeDocument/2006/customXml" ds:itemID="{EA735D2D-61D1-47B3-B7BA-C2250064BB8A}">
+  <ds:schemaRefs>
+    <ds:schemaRef ds:uri="http://schemas.microsoft.com/office/2006/metadata/properties"/>
+  </ds:schemaRefs>
+</ds:datastoreItem>
+</file>
+
+<file path=customXml/itemProps5.xml><?xml version="1.0" encoding="utf-8"?>
 <ds:datastoreItem xmlns:ds="http://schemas.openxmlformats.org/officeDocument/2006/customXml" ds:itemID="{39B6C6D8-697B-442C-87C9-4A903FC6C40C}">
   <ds:schemaRefs>
     <ds:schemaRef ds:uri="http://schemas.microsoft.com/office/2006/metadata/longProperties"/>
   </ds:schemaRefs>
 </ds:datastoreItem>
-</file>
-
-<file path=customXml/itemProps5.xml><?xml version="1.0" encoding="utf-8"?>
-<ds:datastoreItem xmlns:ds="http://schemas.openxmlformats.org/officeDocument/2006/customXml" ds:itemID="{EA735D2D-61D1-47B3-B7BA-C2250064BB8A}">
-  <ds:schemaRefs>
-    <ds:schemaRef ds:uri="http://schemas.microsoft.com/office/2006/metadata/properties"/>
-  </ds:schemaRefs>
-</ds:datastoreItem>
 </file>